--- a/George_Uwagbale_flowchart.pptx
+++ b/George_Uwagbale_flowchart.pptx
@@ -8,6 +8,8 @@
     <p:sldId id="257" r:id="rId2"/>
     <p:sldId id="258" r:id="rId3"/>
     <p:sldId id="259" r:id="rId4"/>
+    <p:sldId id="260" r:id="rId5"/>
+    <p:sldId id="261" r:id="rId6"/>
   </p:sldIdLst>
   <p:sldSz cx="12192000" cy="6858000"/>
   <p:notesSz cx="6858000" cy="9144000"/>
@@ -2983,72 +2985,15 @@
           <a:chExt cx="0" cy="0"/>
         </a:xfrm>
       </p:grpSpPr>
-      <p:sp>
-        <p:nvSpPr>
-          <p:cNvPr id="2" name="Rounded Rectangle 1"/>
-          <p:cNvSpPr/>
-          <p:nvPr/>
-        </p:nvSpPr>
-        <p:spPr>
-          <a:xfrm>
-            <a:off x="2015413" y="125964"/>
-            <a:ext cx="1240972" cy="289249"/>
-          </a:xfrm>
-          <a:prstGeom prst="roundRect">
-            <a:avLst/>
-          </a:prstGeom>
-          <a:solidFill>
-            <a:schemeClr val="bg1"/>
-          </a:solidFill>
-        </p:spPr>
-        <p:style>
-          <a:lnRef idx="2">
-            <a:schemeClr val="accent1">
-              <a:shade val="50000"/>
-            </a:schemeClr>
-          </a:lnRef>
-          <a:fillRef idx="1">
-            <a:schemeClr val="accent1"/>
-          </a:fillRef>
-          <a:effectRef idx="0">
-            <a:schemeClr val="accent1"/>
-          </a:effectRef>
-          <a:fontRef idx="minor">
-            <a:schemeClr val="lt1"/>
-          </a:fontRef>
-        </p:style>
-        <p:txBody>
-          <a:bodyPr rtlCol="0" anchor="ctr"/>
-          <a:lstStyle/>
-          <a:p>
-            <a:pPr algn="ctr"/>
-            <a:r>
-              <a:rPr lang="en-GB" dirty="0" smtClean="0">
-                <a:solidFill>
-                  <a:schemeClr val="tx1"/>
-                </a:solidFill>
-              </a:rPr>
-              <a:t>Start</a:t>
-            </a:r>
-            <a:endParaRPr lang="en-GB" dirty="0">
-              <a:solidFill>
-                <a:schemeClr val="tx1"/>
-              </a:solidFill>
-            </a:endParaRPr>
-          </a:p>
-        </p:txBody>
-      </p:sp>
       <p:cxnSp>
         <p:nvCxnSpPr>
           <p:cNvPr id="4" name="Straight Arrow Connector 3"/>
-          <p:cNvCxnSpPr>
-            <a:stCxn id="2" idx="2"/>
-          </p:cNvCxnSpPr>
+          <p:cNvCxnSpPr/>
           <p:nvPr/>
         </p:nvCxnSpPr>
         <p:spPr>
           <a:xfrm flipH="1">
-            <a:off x="2631234" y="415213"/>
+            <a:off x="2651759" y="429760"/>
             <a:ext cx="4665" cy="391886"/>
           </a:xfrm>
           <a:prstGeom prst="straightConnector1">
@@ -3720,18 +3665,114 @@
           </a:p>
         </p:txBody>
       </p:sp>
-      <p:sp>
-        <p:nvSpPr>
-          <p:cNvPr id="27" name="Rounded Rectangle 26"/>
+      <p:cxnSp>
+        <p:nvCxnSpPr>
+          <p:cNvPr id="28" name="Straight Arrow Connector 27"/>
+          <p:cNvCxnSpPr/>
+          <p:nvPr/>
+        </p:nvCxnSpPr>
+        <p:spPr>
+          <a:xfrm>
+            <a:off x="7881880" y="4376057"/>
+            <a:ext cx="548638" cy="0"/>
+          </a:xfrm>
+          <a:prstGeom prst="straightConnector1">
+            <a:avLst/>
+          </a:prstGeom>
+          <a:ln>
+            <a:tailEnd type="triangle"/>
+          </a:ln>
+        </p:spPr>
+        <p:style>
+          <a:lnRef idx="1">
+            <a:schemeClr val="accent1"/>
+          </a:lnRef>
+          <a:fillRef idx="0">
+            <a:schemeClr val="accent1"/>
+          </a:fillRef>
+          <a:effectRef idx="0">
+            <a:schemeClr val="accent1"/>
+          </a:effectRef>
+          <a:fontRef idx="minor">
+            <a:schemeClr val="tx1"/>
+          </a:fontRef>
+        </p:style>
+      </p:cxnSp>
+      <p:cxnSp>
+        <p:nvCxnSpPr>
+          <p:cNvPr id="30" name="Straight Arrow Connector 29"/>
+          <p:cNvCxnSpPr/>
+          <p:nvPr/>
+        </p:nvCxnSpPr>
+        <p:spPr>
+          <a:xfrm>
+            <a:off x="2544228" y="6092401"/>
+            <a:ext cx="0" cy="391886"/>
+          </a:xfrm>
+          <a:prstGeom prst="straightConnector1">
+            <a:avLst/>
+          </a:prstGeom>
+          <a:ln>
+            <a:tailEnd type="triangle"/>
+          </a:ln>
+        </p:spPr>
+        <p:style>
+          <a:lnRef idx="1">
+            <a:schemeClr val="accent1"/>
+          </a:lnRef>
+          <a:fillRef idx="0">
+            <a:schemeClr val="accent1"/>
+          </a:fillRef>
+          <a:effectRef idx="0">
+            <a:schemeClr val="accent1"/>
+          </a:effectRef>
+          <a:fontRef idx="minor">
+            <a:schemeClr val="tx1"/>
+          </a:fontRef>
+        </p:style>
+      </p:cxnSp>
+      <p:sp>
+        <p:nvSpPr>
+          <p:cNvPr id="31" name="TextBox 30"/>
+          <p:cNvSpPr txBox="1"/>
+          <p:nvPr/>
+        </p:nvSpPr>
+        <p:spPr>
+          <a:xfrm>
+            <a:off x="6635932" y="270588"/>
+            <a:ext cx="3944983" cy="369332"/>
+          </a:xfrm>
+          <a:prstGeom prst="rect">
+            <a:avLst/>
+          </a:prstGeom>
+          <a:noFill/>
+        </p:spPr>
+        <p:txBody>
+          <a:bodyPr wrap="square" rtlCol="0">
+            <a:spAutoFit/>
+          </a:bodyPr>
+          <a:lstStyle/>
+          <a:p>
+            <a:r>
+              <a:rPr lang="en-GB" dirty="0" smtClean="0"/>
+              <a:t>Question 1</a:t>
+            </a:r>
+            <a:endParaRPr lang="en-GB" dirty="0"/>
+          </a:p>
+        </p:txBody>
+      </p:sp>
+      <p:sp>
+        <p:nvSpPr>
+          <p:cNvPr id="3" name="Oval 2"/>
           <p:cNvSpPr/>
           <p:nvPr/>
         </p:nvSpPr>
         <p:spPr>
           <a:xfrm>
-            <a:off x="8442334" y="4243792"/>
-            <a:ext cx="1240972" cy="289249"/>
-          </a:xfrm>
-          <a:prstGeom prst="roundRect">
+            <a:off x="1994143" y="45856"/>
+            <a:ext cx="1315233" cy="368344"/>
+          </a:xfrm>
+          <a:prstGeom prst="ellipse">
             <a:avLst/>
           </a:prstGeom>
           <a:solidFill>
@@ -3765,7 +3806,7 @@
                   <a:schemeClr val="tx1"/>
                 </a:solidFill>
               </a:rPr>
-              <a:t>End</a:t>
+              <a:t>Start</a:t>
             </a:r>
             <a:endParaRPr lang="en-GB" dirty="0">
               <a:solidFill>
@@ -3775,51 +3816,18 @@
           </a:p>
         </p:txBody>
       </p:sp>
-      <p:cxnSp>
-        <p:nvCxnSpPr>
-          <p:cNvPr id="28" name="Straight Arrow Connector 27"/>
-          <p:cNvCxnSpPr/>
-          <p:nvPr/>
-        </p:nvCxnSpPr>
-        <p:spPr>
-          <a:xfrm>
-            <a:off x="7881880" y="4376057"/>
-            <a:ext cx="548638" cy="0"/>
-          </a:xfrm>
-          <a:prstGeom prst="straightConnector1">
-            <a:avLst/>
-          </a:prstGeom>
-          <a:ln>
-            <a:tailEnd type="triangle"/>
-          </a:ln>
-        </p:spPr>
-        <p:style>
-          <a:lnRef idx="1">
-            <a:schemeClr val="accent1"/>
-          </a:lnRef>
-          <a:fillRef idx="0">
-            <a:schemeClr val="accent1"/>
-          </a:fillRef>
-          <a:effectRef idx="0">
-            <a:schemeClr val="accent1"/>
-          </a:effectRef>
-          <a:fontRef idx="minor">
-            <a:schemeClr val="tx1"/>
-          </a:fontRef>
-        </p:style>
-      </p:cxnSp>
-      <p:sp>
-        <p:nvSpPr>
-          <p:cNvPr id="29" name="Rounded Rectangle 28"/>
+      <p:sp>
+        <p:nvSpPr>
+          <p:cNvPr id="32" name="Oval 31"/>
           <p:cNvSpPr/>
           <p:nvPr/>
         </p:nvSpPr>
         <p:spPr>
           <a:xfrm>
-            <a:off x="1964093" y="6484287"/>
-            <a:ext cx="1240972" cy="289249"/>
-          </a:xfrm>
-          <a:prstGeom prst="roundRect">
+            <a:off x="8442334" y="4191885"/>
+            <a:ext cx="1315233" cy="368344"/>
+          </a:xfrm>
+          <a:prstGeom prst="ellipse">
             <a:avLst/>
           </a:prstGeom>
           <a:solidFill>
@@ -3863,66 +3871,58 @@
           </a:p>
         </p:txBody>
       </p:sp>
-      <p:cxnSp>
-        <p:nvCxnSpPr>
-          <p:cNvPr id="30" name="Straight Arrow Connector 29"/>
-          <p:cNvCxnSpPr/>
-          <p:nvPr/>
-        </p:nvCxnSpPr>
-        <p:spPr>
-          <a:xfrm>
-            <a:off x="2544228" y="6092401"/>
-            <a:ext cx="0" cy="391886"/>
-          </a:xfrm>
-          <a:prstGeom prst="straightConnector1">
-            <a:avLst/>
-          </a:prstGeom>
-          <a:ln>
-            <a:tailEnd type="triangle"/>
-          </a:ln>
-        </p:spPr>
-        <p:style>
-          <a:lnRef idx="1">
-            <a:schemeClr val="accent1"/>
-          </a:lnRef>
-          <a:fillRef idx="0">
-            <a:schemeClr val="accent1"/>
-          </a:fillRef>
-          <a:effectRef idx="0">
-            <a:schemeClr val="accent1"/>
-          </a:effectRef>
-          <a:fontRef idx="minor">
-            <a:schemeClr val="tx1"/>
-          </a:fontRef>
-        </p:style>
-      </p:cxnSp>
-      <p:sp>
-        <p:nvSpPr>
-          <p:cNvPr id="31" name="TextBox 30"/>
-          <p:cNvSpPr txBox="1"/>
-          <p:nvPr/>
-        </p:nvSpPr>
-        <p:spPr>
-          <a:xfrm>
-            <a:off x="6635932" y="270588"/>
-            <a:ext cx="3944983" cy="369332"/>
-          </a:xfrm>
-          <a:prstGeom prst="rect">
-            <a:avLst/>
-          </a:prstGeom>
-          <a:noFill/>
-        </p:spPr>
-        <p:txBody>
-          <a:bodyPr wrap="square" rtlCol="0">
-            <a:spAutoFit/>
-          </a:bodyPr>
-          <a:lstStyle/>
-          <a:p>
-            <a:r>
-              <a:rPr lang="en-GB" dirty="0" smtClean="0"/>
-              <a:t>Question 1</a:t>
-            </a:r>
-            <a:endParaRPr lang="en-GB" dirty="0"/>
+      <p:sp>
+        <p:nvSpPr>
+          <p:cNvPr id="33" name="Oval 32"/>
+          <p:cNvSpPr/>
+          <p:nvPr/>
+        </p:nvSpPr>
+        <p:spPr>
+          <a:xfrm>
+            <a:off x="1886611" y="6472453"/>
+            <a:ext cx="1315233" cy="368344"/>
+          </a:xfrm>
+          <a:prstGeom prst="ellipse">
+            <a:avLst/>
+          </a:prstGeom>
+          <a:solidFill>
+            <a:schemeClr val="bg1"/>
+          </a:solidFill>
+        </p:spPr>
+        <p:style>
+          <a:lnRef idx="2">
+            <a:schemeClr val="accent1">
+              <a:shade val="50000"/>
+            </a:schemeClr>
+          </a:lnRef>
+          <a:fillRef idx="1">
+            <a:schemeClr val="accent1"/>
+          </a:fillRef>
+          <a:effectRef idx="0">
+            <a:schemeClr val="accent1"/>
+          </a:effectRef>
+          <a:fontRef idx="minor">
+            <a:schemeClr val="lt1"/>
+          </a:fontRef>
+        </p:style>
+        <p:txBody>
+          <a:bodyPr rtlCol="0" anchor="ctr"/>
+          <a:lstStyle/>
+          <a:p>
+            <a:pPr algn="ctr"/>
+            <a:r>
+              <a:rPr lang="en-GB" dirty="0" smtClean="0">
+                <a:solidFill>
+                  <a:schemeClr val="tx1"/>
+                </a:solidFill>
+              </a:rPr>
+              <a:t>End</a:t>
+            </a:r>
+            <a:endParaRPr lang="en-GB" dirty="0">
+              <a:solidFill>
+                <a:schemeClr val="tx1"/>
+              </a:solidFill>
+            </a:endParaRPr>
           </a:p>
         </p:txBody>
       </p:sp>
@@ -3958,56 +3958,6 @@
       </p:grpSpPr>
       <p:sp>
         <p:nvSpPr>
-          <p:cNvPr id="2" name="Rounded Rectangle 1"/>
-          <p:cNvSpPr/>
-          <p:nvPr/>
-        </p:nvSpPr>
-        <p:spPr>
-          <a:xfrm>
-            <a:off x="2481943" y="274320"/>
-            <a:ext cx="1580606" cy="326571"/>
-          </a:xfrm>
-          <a:prstGeom prst="roundRect">
-            <a:avLst/>
-          </a:prstGeom>
-          <a:solidFill>
-            <a:schemeClr val="bg1"/>
-          </a:solidFill>
-        </p:spPr>
-        <p:style>
-          <a:lnRef idx="2">
-            <a:schemeClr val="accent1">
-              <a:shade val="50000"/>
-            </a:schemeClr>
-          </a:lnRef>
-          <a:fillRef idx="1">
-            <a:schemeClr val="accent1"/>
-          </a:fillRef>
-          <a:effectRef idx="0">
-            <a:schemeClr val="accent1"/>
-          </a:effectRef>
-          <a:fontRef idx="minor">
-            <a:schemeClr val="lt1"/>
-          </a:fontRef>
-        </p:style>
-        <p:txBody>
-          <a:bodyPr rtlCol="0" anchor="ctr"/>
-          <a:lstStyle/>
-          <a:p>
-            <a:pPr algn="ctr"/>
-            <a:r>
-              <a:rPr lang="en-GB" dirty="0" smtClean="0">
-                <a:solidFill>
-                  <a:schemeClr val="tx1"/>
-                </a:solidFill>
-              </a:rPr>
-              <a:t>Start</a:t>
-            </a:r>
-          </a:p>
-        </p:txBody>
-      </p:sp>
-      <p:sp>
-        <p:nvSpPr>
           <p:cNvPr id="4" name="Flowchart: Data 3"/>
           <p:cNvSpPr/>
           <p:nvPr/>
@@ -4072,14 +4022,12 @@
       <p:cxnSp>
         <p:nvCxnSpPr>
           <p:cNvPr id="8" name="Straight Arrow Connector 7"/>
-          <p:cNvCxnSpPr>
-            <a:stCxn id="2" idx="2"/>
-          </p:cNvCxnSpPr>
+          <p:cNvCxnSpPr/>
           <p:nvPr/>
         </p:nvCxnSpPr>
         <p:spPr>
           <a:xfrm>
-            <a:off x="3272246" y="600891"/>
+            <a:off x="3157453" y="600891"/>
             <a:ext cx="0" cy="431074"/>
           </a:xfrm>
           <a:prstGeom prst="straightConnector1">
@@ -4620,6 +4568,237 @@
           </a:p>
         </p:txBody>
       </p:sp>
+      <p:sp>
+        <p:nvSpPr>
+          <p:cNvPr id="3" name="Oval 2"/>
+          <p:cNvSpPr/>
+          <p:nvPr/>
+        </p:nvSpPr>
+        <p:spPr>
+          <a:xfrm>
+            <a:off x="2480153" y="235131"/>
+            <a:ext cx="1390389" cy="369332"/>
+          </a:xfrm>
+          <a:prstGeom prst="ellipse">
+            <a:avLst/>
+          </a:prstGeom>
+          <a:solidFill>
+            <a:schemeClr val="bg1"/>
+          </a:solidFill>
+        </p:spPr>
+        <p:style>
+          <a:lnRef idx="2">
+            <a:schemeClr val="accent1">
+              <a:shade val="50000"/>
+            </a:schemeClr>
+          </a:lnRef>
+          <a:fillRef idx="1">
+            <a:schemeClr val="accent1"/>
+          </a:fillRef>
+          <a:effectRef idx="0">
+            <a:schemeClr val="accent1"/>
+          </a:effectRef>
+          <a:fontRef idx="minor">
+            <a:schemeClr val="lt1"/>
+          </a:fontRef>
+        </p:style>
+        <p:txBody>
+          <a:bodyPr rtlCol="0" anchor="ctr"/>
+          <a:lstStyle/>
+          <a:p>
+            <a:pPr algn="ctr"/>
+            <a:r>
+              <a:rPr lang="en-GB" dirty="0" smtClean="0">
+                <a:solidFill>
+                  <a:schemeClr val="tx1"/>
+                </a:solidFill>
+              </a:rPr>
+              <a:t>Start</a:t>
+            </a:r>
+            <a:endParaRPr lang="en-GB" dirty="0">
+              <a:solidFill>
+                <a:schemeClr val="tx1"/>
+              </a:solidFill>
+            </a:endParaRPr>
+          </a:p>
+        </p:txBody>
+      </p:sp>
+      <p:sp>
+        <p:nvSpPr>
+          <p:cNvPr id="23" name="Oval 22"/>
+          <p:cNvSpPr/>
+          <p:nvPr/>
+        </p:nvSpPr>
+        <p:spPr>
+          <a:xfrm>
+            <a:off x="10092578" y="2845917"/>
+            <a:ext cx="1390389" cy="369332"/>
+          </a:xfrm>
+          <a:prstGeom prst="ellipse">
+            <a:avLst/>
+          </a:prstGeom>
+          <a:solidFill>
+            <a:schemeClr val="bg1"/>
+          </a:solidFill>
+        </p:spPr>
+        <p:style>
+          <a:lnRef idx="2">
+            <a:schemeClr val="accent1">
+              <a:shade val="50000"/>
+            </a:schemeClr>
+          </a:lnRef>
+          <a:fillRef idx="1">
+            <a:schemeClr val="accent1"/>
+          </a:fillRef>
+          <a:effectRef idx="0">
+            <a:schemeClr val="accent1"/>
+          </a:effectRef>
+          <a:fontRef idx="minor">
+            <a:schemeClr val="lt1"/>
+          </a:fontRef>
+        </p:style>
+        <p:txBody>
+          <a:bodyPr rtlCol="0" anchor="ctr"/>
+          <a:lstStyle/>
+          <a:p>
+            <a:pPr algn="ctr"/>
+            <a:r>
+              <a:rPr lang="en-GB" dirty="0" smtClean="0">
+                <a:solidFill>
+                  <a:schemeClr val="tx1"/>
+                </a:solidFill>
+              </a:rPr>
+              <a:t>End</a:t>
+            </a:r>
+            <a:endParaRPr lang="en-GB" dirty="0">
+              <a:solidFill>
+                <a:schemeClr val="tx1"/>
+              </a:solidFill>
+            </a:endParaRPr>
+          </a:p>
+        </p:txBody>
+      </p:sp>
+      <p:cxnSp>
+        <p:nvCxnSpPr>
+          <p:cNvPr id="24" name="Straight Arrow Connector 23"/>
+          <p:cNvCxnSpPr/>
+          <p:nvPr/>
+        </p:nvCxnSpPr>
+        <p:spPr>
+          <a:xfrm>
+            <a:off x="9484350" y="3030583"/>
+            <a:ext cx="594362" cy="0"/>
+          </a:xfrm>
+          <a:prstGeom prst="straightConnector1">
+            <a:avLst/>
+          </a:prstGeom>
+          <a:ln>
+            <a:tailEnd type="triangle"/>
+          </a:ln>
+        </p:spPr>
+        <p:style>
+          <a:lnRef idx="1">
+            <a:schemeClr val="accent1"/>
+          </a:lnRef>
+          <a:fillRef idx="0">
+            <a:schemeClr val="accent1"/>
+          </a:fillRef>
+          <a:effectRef idx="0">
+            <a:schemeClr val="accent1"/>
+          </a:effectRef>
+          <a:fontRef idx="minor">
+            <a:schemeClr val="tx1"/>
+          </a:fontRef>
+        </p:style>
+      </p:cxnSp>
+      <p:sp>
+        <p:nvSpPr>
+          <p:cNvPr id="25" name="Oval 24"/>
+          <p:cNvSpPr/>
+          <p:nvPr/>
+        </p:nvSpPr>
+        <p:spPr>
+          <a:xfrm>
+            <a:off x="2459484" y="6505302"/>
+            <a:ext cx="1390389" cy="369332"/>
+          </a:xfrm>
+          <a:prstGeom prst="ellipse">
+            <a:avLst/>
+          </a:prstGeom>
+          <a:solidFill>
+            <a:schemeClr val="bg1"/>
+          </a:solidFill>
+        </p:spPr>
+        <p:style>
+          <a:lnRef idx="2">
+            <a:schemeClr val="accent1">
+              <a:shade val="50000"/>
+            </a:schemeClr>
+          </a:lnRef>
+          <a:fillRef idx="1">
+            <a:schemeClr val="accent1"/>
+          </a:fillRef>
+          <a:effectRef idx="0">
+            <a:schemeClr val="accent1"/>
+          </a:effectRef>
+          <a:fontRef idx="minor">
+            <a:schemeClr val="lt1"/>
+          </a:fontRef>
+        </p:style>
+        <p:txBody>
+          <a:bodyPr rtlCol="0" anchor="ctr"/>
+          <a:lstStyle/>
+          <a:p>
+            <a:pPr algn="ctr"/>
+            <a:r>
+              <a:rPr lang="en-GB" dirty="0" smtClean="0">
+                <a:solidFill>
+                  <a:schemeClr val="tx1"/>
+                </a:solidFill>
+              </a:rPr>
+              <a:t>End</a:t>
+            </a:r>
+            <a:endParaRPr lang="en-GB" dirty="0">
+              <a:solidFill>
+                <a:schemeClr val="tx1"/>
+              </a:solidFill>
+            </a:endParaRPr>
+          </a:p>
+        </p:txBody>
+      </p:sp>
+      <p:cxnSp>
+        <p:nvCxnSpPr>
+          <p:cNvPr id="26" name="Straight Arrow Connector 25"/>
+          <p:cNvCxnSpPr/>
+          <p:nvPr/>
+        </p:nvCxnSpPr>
+        <p:spPr>
+          <a:xfrm>
+            <a:off x="3115489" y="6074228"/>
+            <a:ext cx="0" cy="431074"/>
+          </a:xfrm>
+          <a:prstGeom prst="straightConnector1">
+            <a:avLst/>
+          </a:prstGeom>
+          <a:ln>
+            <a:tailEnd type="triangle"/>
+          </a:ln>
+        </p:spPr>
+        <p:style>
+          <a:lnRef idx="1">
+            <a:schemeClr val="accent1"/>
+          </a:lnRef>
+          <a:fillRef idx="0">
+            <a:schemeClr val="accent1"/>
+          </a:fillRef>
+          <a:effectRef idx="0">
+            <a:schemeClr val="accent1"/>
+          </a:effectRef>
+          <a:fontRef idx="minor">
+            <a:schemeClr val="tx1"/>
+          </a:fontRef>
+        </p:style>
+      </p:cxnSp>
     </p:spTree>
     <p:extLst>
       <p:ext uri="{BB962C8B-B14F-4D97-AF65-F5344CB8AC3E}">
@@ -4650,61 +4829,6 @@
           <a:chExt cx="0" cy="0"/>
         </a:xfrm>
       </p:grpSpPr>
-      <p:sp>
-        <p:nvSpPr>
-          <p:cNvPr id="2" name="Rounded Rectangle 1"/>
-          <p:cNvSpPr/>
-          <p:nvPr/>
-        </p:nvSpPr>
-        <p:spPr>
-          <a:xfrm>
-            <a:off x="2592886" y="148996"/>
-            <a:ext cx="1778696" cy="267315"/>
-          </a:xfrm>
-          <a:prstGeom prst="roundRect">
-            <a:avLst/>
-          </a:prstGeom>
-          <a:solidFill>
-            <a:schemeClr val="bg1"/>
-          </a:solidFill>
-        </p:spPr>
-        <p:style>
-          <a:lnRef idx="2">
-            <a:schemeClr val="accent1">
-              <a:shade val="50000"/>
-            </a:schemeClr>
-          </a:lnRef>
-          <a:fillRef idx="1">
-            <a:schemeClr val="accent1"/>
-          </a:fillRef>
-          <a:effectRef idx="0">
-            <a:schemeClr val="accent1"/>
-          </a:effectRef>
-          <a:fontRef idx="minor">
-            <a:schemeClr val="lt1"/>
-          </a:fontRef>
-        </p:style>
-        <p:txBody>
-          <a:bodyPr rtlCol="0" anchor="ctr"/>
-          <a:lstStyle/>
-          <a:p>
-            <a:pPr algn="ctr"/>
-            <a:r>
-              <a:rPr lang="en-GB" dirty="0" smtClean="0">
-                <a:solidFill>
-                  <a:schemeClr val="tx1"/>
-                </a:solidFill>
-              </a:rPr>
-              <a:t>Start</a:t>
-            </a:r>
-            <a:endParaRPr lang="en-GB" dirty="0">
-              <a:solidFill>
-                <a:schemeClr val="tx1"/>
-              </a:solidFill>
-            </a:endParaRPr>
-          </a:p>
-        </p:txBody>
-      </p:sp>
       <p:cxnSp>
         <p:nvCxnSpPr>
           <p:cNvPr id="4" name="Straight Arrow Connector 3"/>
@@ -5655,17 +5779,2192 @@
           <a:lstStyle/>
           <a:p>
             <a:r>
-              <a:rPr lang="en-GB" smtClean="0"/>
+              <a:rPr lang="en-GB" dirty="0" smtClean="0"/>
               <a:t>Question3</a:t>
             </a:r>
             <a:endParaRPr lang="en-GB" dirty="0"/>
           </a:p>
         </p:txBody>
       </p:sp>
+      <p:sp>
+        <p:nvSpPr>
+          <p:cNvPr id="66" name="Oval 65"/>
+          <p:cNvSpPr/>
+          <p:nvPr/>
+        </p:nvSpPr>
+        <p:spPr>
+          <a:xfrm>
+            <a:off x="2821901" y="135888"/>
+            <a:ext cx="1266170" cy="281560"/>
+          </a:xfrm>
+          <a:prstGeom prst="ellipse">
+            <a:avLst/>
+          </a:prstGeom>
+          <a:solidFill>
+            <a:schemeClr val="bg1"/>
+          </a:solidFill>
+        </p:spPr>
+        <p:style>
+          <a:lnRef idx="2">
+            <a:schemeClr val="accent1">
+              <a:shade val="50000"/>
+            </a:schemeClr>
+          </a:lnRef>
+          <a:fillRef idx="1">
+            <a:schemeClr val="accent1"/>
+          </a:fillRef>
+          <a:effectRef idx="0">
+            <a:schemeClr val="accent1"/>
+          </a:effectRef>
+          <a:fontRef idx="minor">
+            <a:schemeClr val="lt1"/>
+          </a:fontRef>
+        </p:style>
+        <p:txBody>
+          <a:bodyPr rtlCol="0" anchor="ctr"/>
+          <a:lstStyle/>
+          <a:p>
+            <a:pPr algn="ctr"/>
+            <a:r>
+              <a:rPr lang="en-GB" dirty="0" smtClean="0">
+                <a:solidFill>
+                  <a:schemeClr val="tx1"/>
+                </a:solidFill>
+              </a:rPr>
+              <a:t>Start</a:t>
+            </a:r>
+            <a:endParaRPr lang="en-GB" dirty="0">
+              <a:solidFill>
+                <a:schemeClr val="tx1"/>
+              </a:solidFill>
+            </a:endParaRPr>
+          </a:p>
+        </p:txBody>
+      </p:sp>
+      <p:sp>
+        <p:nvSpPr>
+          <p:cNvPr id="67" name="Oval 66"/>
+          <p:cNvSpPr/>
+          <p:nvPr/>
+        </p:nvSpPr>
+        <p:spPr>
+          <a:xfrm>
+            <a:off x="2812612" y="6538733"/>
+            <a:ext cx="1266170" cy="281560"/>
+          </a:xfrm>
+          <a:prstGeom prst="ellipse">
+            <a:avLst/>
+          </a:prstGeom>
+          <a:solidFill>
+            <a:schemeClr val="bg1"/>
+          </a:solidFill>
+        </p:spPr>
+        <p:style>
+          <a:lnRef idx="2">
+            <a:schemeClr val="accent1">
+              <a:shade val="50000"/>
+            </a:schemeClr>
+          </a:lnRef>
+          <a:fillRef idx="1">
+            <a:schemeClr val="accent1"/>
+          </a:fillRef>
+          <a:effectRef idx="0">
+            <a:schemeClr val="accent1"/>
+          </a:effectRef>
+          <a:fontRef idx="minor">
+            <a:schemeClr val="lt1"/>
+          </a:fontRef>
+        </p:style>
+        <p:txBody>
+          <a:bodyPr rtlCol="0" anchor="ctr"/>
+          <a:lstStyle/>
+          <a:p>
+            <a:pPr algn="ctr"/>
+            <a:r>
+              <a:rPr lang="en-GB" dirty="0" smtClean="0">
+                <a:solidFill>
+                  <a:schemeClr val="tx1"/>
+                </a:solidFill>
+              </a:rPr>
+              <a:t>Start</a:t>
+            </a:r>
+            <a:endParaRPr lang="en-GB" dirty="0">
+              <a:solidFill>
+                <a:schemeClr val="tx1"/>
+              </a:solidFill>
+            </a:endParaRPr>
+          </a:p>
+        </p:txBody>
+      </p:sp>
+      <p:cxnSp>
+        <p:nvCxnSpPr>
+          <p:cNvPr id="68" name="Straight Arrow Connector 67"/>
+          <p:cNvCxnSpPr>
+            <a:stCxn id="64" idx="4"/>
+            <a:endCxn id="67" idx="0"/>
+          </p:cNvCxnSpPr>
+          <p:nvPr/>
+        </p:nvCxnSpPr>
+        <p:spPr>
+          <a:xfrm>
+            <a:off x="3445697" y="6304844"/>
+            <a:ext cx="0" cy="233889"/>
+          </a:xfrm>
+          <a:prstGeom prst="straightConnector1">
+            <a:avLst/>
+          </a:prstGeom>
+          <a:ln>
+            <a:tailEnd type="triangle"/>
+          </a:ln>
+        </p:spPr>
+        <p:style>
+          <a:lnRef idx="1">
+            <a:schemeClr val="accent1"/>
+          </a:lnRef>
+          <a:fillRef idx="0">
+            <a:schemeClr val="accent1"/>
+          </a:fillRef>
+          <a:effectRef idx="0">
+            <a:schemeClr val="accent1"/>
+          </a:effectRef>
+          <a:fontRef idx="minor">
+            <a:schemeClr val="tx1"/>
+          </a:fontRef>
+        </p:style>
+      </p:cxnSp>
     </p:spTree>
     <p:extLst>
       <p:ext uri="{BB962C8B-B14F-4D97-AF65-F5344CB8AC3E}">
         <p14:creationId xmlns:p14="http://schemas.microsoft.com/office/powerpoint/2010/main" val="4004925535"/>
+      </p:ext>
+    </p:extLst>
+  </p:cSld>
+  <p:clrMapOvr>
+    <a:masterClrMapping/>
+  </p:clrMapOvr>
+</p:sld>
+</file>
+
+<file path=ppt/slides/slide4.xml><?xml version="1.0" encoding="utf-8"?>
+<p:sld xmlns:a="http://schemas.openxmlformats.org/drawingml/2006/main" xmlns:r="http://schemas.openxmlformats.org/officeDocument/2006/relationships" xmlns:p="http://schemas.openxmlformats.org/presentationml/2006/main">
+  <p:cSld>
+    <p:spTree>
+      <p:nvGrpSpPr>
+        <p:cNvPr id="1" name=""/>
+        <p:cNvGrpSpPr/>
+        <p:nvPr/>
+      </p:nvGrpSpPr>
+      <p:grpSpPr>
+        <a:xfrm>
+          <a:off x="0" y="0"/>
+          <a:ext cx="0" cy="0"/>
+          <a:chOff x="0" y="0"/>
+          <a:chExt cx="0" cy="0"/>
+        </a:xfrm>
+      </p:grpSpPr>
+      <p:cxnSp>
+        <p:nvCxnSpPr>
+          <p:cNvPr id="4" name="Straight Arrow Connector 3"/>
+          <p:cNvCxnSpPr/>
+          <p:nvPr/>
+        </p:nvCxnSpPr>
+        <p:spPr>
+          <a:xfrm>
+            <a:off x="3029208" y="475990"/>
+            <a:ext cx="0" cy="300624"/>
+          </a:xfrm>
+          <a:prstGeom prst="straightConnector1">
+            <a:avLst/>
+          </a:prstGeom>
+          <a:ln>
+            <a:tailEnd type="triangle"/>
+          </a:ln>
+        </p:spPr>
+        <p:style>
+          <a:lnRef idx="1">
+            <a:schemeClr val="accent1"/>
+          </a:lnRef>
+          <a:fillRef idx="0">
+            <a:schemeClr val="accent1"/>
+          </a:fillRef>
+          <a:effectRef idx="0">
+            <a:schemeClr val="accent1"/>
+          </a:effectRef>
+          <a:fontRef idx="minor">
+            <a:schemeClr val="tx1"/>
+          </a:fontRef>
+        </p:style>
+      </p:cxnSp>
+      <p:sp>
+        <p:nvSpPr>
+          <p:cNvPr id="5" name="Flowchart: Data 4"/>
+          <p:cNvSpPr/>
+          <p:nvPr/>
+        </p:nvSpPr>
+        <p:spPr>
+          <a:xfrm>
+            <a:off x="1991638" y="776614"/>
+            <a:ext cx="2075144" cy="494781"/>
+          </a:xfrm>
+          <a:prstGeom prst="flowChartInputOutput">
+            <a:avLst/>
+          </a:prstGeom>
+          <a:solidFill>
+            <a:schemeClr val="bg1"/>
+          </a:solidFill>
+        </p:spPr>
+        <p:style>
+          <a:lnRef idx="2">
+            <a:schemeClr val="accent1">
+              <a:shade val="50000"/>
+            </a:schemeClr>
+          </a:lnRef>
+          <a:fillRef idx="1">
+            <a:schemeClr val="accent1"/>
+          </a:fillRef>
+          <a:effectRef idx="0">
+            <a:schemeClr val="accent1"/>
+          </a:effectRef>
+          <a:fontRef idx="minor">
+            <a:schemeClr val="lt1"/>
+          </a:fontRef>
+        </p:style>
+        <p:txBody>
+          <a:bodyPr rtlCol="0" anchor="ctr"/>
+          <a:lstStyle/>
+          <a:p>
+            <a:pPr algn="ctr"/>
+            <a:r>
+              <a:rPr lang="en-GB" sz="1400" dirty="0" smtClean="0">
+                <a:solidFill>
+                  <a:schemeClr val="tx1"/>
+                </a:solidFill>
+              </a:rPr>
+              <a:t>Input integers </a:t>
+            </a:r>
+            <a:r>
+              <a:rPr lang="en-GB" sz="1400" dirty="0" err="1" smtClean="0">
+                <a:solidFill>
+                  <a:schemeClr val="tx1"/>
+                </a:solidFill>
+              </a:rPr>
+              <a:t>a,b,c</a:t>
+            </a:r>
+            <a:endParaRPr lang="en-GB" sz="1400" dirty="0">
+              <a:solidFill>
+                <a:schemeClr val="tx1"/>
+              </a:solidFill>
+            </a:endParaRPr>
+          </a:p>
+        </p:txBody>
+      </p:sp>
+      <p:sp>
+        <p:nvSpPr>
+          <p:cNvPr id="6" name="Flowchart: Predefined Process 5"/>
+          <p:cNvSpPr/>
+          <p:nvPr/>
+        </p:nvSpPr>
+        <p:spPr>
+          <a:xfrm>
+            <a:off x="2018769" y="1603336"/>
+            <a:ext cx="1615858" cy="325673"/>
+          </a:xfrm>
+          <a:prstGeom prst="flowChartPredefinedProcess">
+            <a:avLst/>
+          </a:prstGeom>
+          <a:solidFill>
+            <a:schemeClr val="bg1"/>
+          </a:solidFill>
+        </p:spPr>
+        <p:style>
+          <a:lnRef idx="2">
+            <a:schemeClr val="accent1">
+              <a:shade val="50000"/>
+            </a:schemeClr>
+          </a:lnRef>
+          <a:fillRef idx="1">
+            <a:schemeClr val="accent1"/>
+          </a:fillRef>
+          <a:effectRef idx="0">
+            <a:schemeClr val="accent1"/>
+          </a:effectRef>
+          <a:fontRef idx="minor">
+            <a:schemeClr val="lt1"/>
+          </a:fontRef>
+        </p:style>
+        <p:txBody>
+          <a:bodyPr rtlCol="0" anchor="ctr"/>
+          <a:lstStyle/>
+          <a:p>
+            <a:pPr algn="ctr"/>
+            <a:r>
+              <a:rPr lang="en-GB" sz="1400" dirty="0" smtClean="0">
+                <a:solidFill>
+                  <a:schemeClr val="tx1"/>
+                </a:solidFill>
+              </a:rPr>
+              <a:t>max(</a:t>
+            </a:r>
+            <a:r>
+              <a:rPr lang="en-GB" sz="1400" dirty="0" err="1" smtClean="0">
+                <a:solidFill>
+                  <a:schemeClr val="tx1"/>
+                </a:solidFill>
+              </a:rPr>
+              <a:t>a,b,c</a:t>
+            </a:r>
+            <a:r>
+              <a:rPr lang="en-GB" sz="1400" dirty="0" smtClean="0">
+                <a:solidFill>
+                  <a:schemeClr val="tx1"/>
+                </a:solidFill>
+              </a:rPr>
+              <a:t>)</a:t>
+            </a:r>
+            <a:endParaRPr lang="en-GB" sz="1400" dirty="0">
+              <a:solidFill>
+                <a:schemeClr val="tx1"/>
+              </a:solidFill>
+            </a:endParaRPr>
+          </a:p>
+        </p:txBody>
+      </p:sp>
+      <p:cxnSp>
+        <p:nvCxnSpPr>
+          <p:cNvPr id="7" name="Straight Arrow Connector 6"/>
+          <p:cNvCxnSpPr/>
+          <p:nvPr/>
+        </p:nvCxnSpPr>
+        <p:spPr>
+          <a:xfrm>
+            <a:off x="2983281" y="1271395"/>
+            <a:ext cx="0" cy="275572"/>
+          </a:xfrm>
+          <a:prstGeom prst="straightConnector1">
+            <a:avLst/>
+          </a:prstGeom>
+          <a:ln>
+            <a:tailEnd type="triangle"/>
+          </a:ln>
+        </p:spPr>
+        <p:style>
+          <a:lnRef idx="1">
+            <a:schemeClr val="accent1"/>
+          </a:lnRef>
+          <a:fillRef idx="0">
+            <a:schemeClr val="accent1"/>
+          </a:fillRef>
+          <a:effectRef idx="0">
+            <a:schemeClr val="accent1"/>
+          </a:effectRef>
+          <a:fontRef idx="minor">
+            <a:schemeClr val="tx1"/>
+          </a:fontRef>
+        </p:style>
+      </p:cxnSp>
+      <p:sp>
+        <p:nvSpPr>
+          <p:cNvPr id="8" name="Rectangle 7"/>
+          <p:cNvSpPr/>
+          <p:nvPr/>
+        </p:nvSpPr>
+        <p:spPr>
+          <a:xfrm>
+            <a:off x="1991638" y="2260954"/>
+            <a:ext cx="1753644" cy="469728"/>
+          </a:xfrm>
+          <a:prstGeom prst="rect">
+            <a:avLst/>
+          </a:prstGeom>
+          <a:solidFill>
+            <a:schemeClr val="bg1"/>
+          </a:solidFill>
+        </p:spPr>
+        <p:style>
+          <a:lnRef idx="2">
+            <a:schemeClr val="accent1">
+              <a:shade val="50000"/>
+            </a:schemeClr>
+          </a:lnRef>
+          <a:fillRef idx="1">
+            <a:schemeClr val="accent1"/>
+          </a:fillRef>
+          <a:effectRef idx="0">
+            <a:schemeClr val="accent1"/>
+          </a:effectRef>
+          <a:fontRef idx="minor">
+            <a:schemeClr val="lt1"/>
+          </a:fontRef>
+        </p:style>
+        <p:txBody>
+          <a:bodyPr rtlCol="0" anchor="ctr"/>
+          <a:lstStyle/>
+          <a:p>
+            <a:pPr algn="ctr"/>
+            <a:r>
+              <a:rPr lang="en-GB" sz="1400" dirty="0">
+                <a:solidFill>
+                  <a:schemeClr val="tx1"/>
+                </a:solidFill>
+              </a:rPr>
+              <a:t>m</a:t>
+            </a:r>
+            <a:r>
+              <a:rPr lang="en-GB" sz="1400" dirty="0" smtClean="0">
+                <a:solidFill>
+                  <a:schemeClr val="tx1"/>
+                </a:solidFill>
+              </a:rPr>
+              <a:t>aximum = max(</a:t>
+            </a:r>
+            <a:r>
+              <a:rPr lang="en-GB" sz="1400" dirty="0" err="1" smtClean="0">
+                <a:solidFill>
+                  <a:schemeClr val="tx1"/>
+                </a:solidFill>
+              </a:rPr>
+              <a:t>a,b,c</a:t>
+            </a:r>
+            <a:r>
+              <a:rPr lang="en-GB" sz="1400" dirty="0" smtClean="0">
+                <a:solidFill>
+                  <a:schemeClr val="tx1"/>
+                </a:solidFill>
+              </a:rPr>
+              <a:t>)</a:t>
+            </a:r>
+            <a:endParaRPr lang="en-GB" sz="1400" dirty="0">
+              <a:solidFill>
+                <a:schemeClr val="tx1"/>
+              </a:solidFill>
+            </a:endParaRPr>
+          </a:p>
+        </p:txBody>
+      </p:sp>
+      <p:cxnSp>
+        <p:nvCxnSpPr>
+          <p:cNvPr id="9" name="Straight Arrow Connector 8"/>
+          <p:cNvCxnSpPr/>
+          <p:nvPr/>
+        </p:nvCxnSpPr>
+        <p:spPr>
+          <a:xfrm>
+            <a:off x="2928998" y="1941543"/>
+            <a:ext cx="0" cy="319411"/>
+          </a:xfrm>
+          <a:prstGeom prst="straightConnector1">
+            <a:avLst/>
+          </a:prstGeom>
+          <a:ln>
+            <a:tailEnd type="triangle"/>
+          </a:ln>
+        </p:spPr>
+        <p:style>
+          <a:lnRef idx="1">
+            <a:schemeClr val="accent1"/>
+          </a:lnRef>
+          <a:fillRef idx="0">
+            <a:schemeClr val="accent1"/>
+          </a:fillRef>
+          <a:effectRef idx="0">
+            <a:schemeClr val="accent1"/>
+          </a:effectRef>
+          <a:fontRef idx="minor">
+            <a:schemeClr val="tx1"/>
+          </a:fontRef>
+        </p:style>
+      </p:cxnSp>
+      <p:sp>
+        <p:nvSpPr>
+          <p:cNvPr id="10" name="Rectangle 9"/>
+          <p:cNvSpPr/>
+          <p:nvPr/>
+        </p:nvSpPr>
+        <p:spPr>
+          <a:xfrm>
+            <a:off x="1991638" y="3613746"/>
+            <a:ext cx="1753644" cy="469729"/>
+          </a:xfrm>
+          <a:prstGeom prst="rect">
+            <a:avLst/>
+          </a:prstGeom>
+          <a:solidFill>
+            <a:schemeClr val="bg1"/>
+          </a:solidFill>
+        </p:spPr>
+        <p:style>
+          <a:lnRef idx="2">
+            <a:schemeClr val="accent1">
+              <a:shade val="50000"/>
+            </a:schemeClr>
+          </a:lnRef>
+          <a:fillRef idx="1">
+            <a:schemeClr val="accent1"/>
+          </a:fillRef>
+          <a:effectRef idx="0">
+            <a:schemeClr val="accent1"/>
+          </a:effectRef>
+          <a:fontRef idx="minor">
+            <a:schemeClr val="lt1"/>
+          </a:fontRef>
+        </p:style>
+        <p:txBody>
+          <a:bodyPr rtlCol="0" anchor="ctr"/>
+          <a:lstStyle/>
+          <a:p>
+            <a:pPr algn="ctr"/>
+            <a:r>
+              <a:rPr lang="en-GB" sz="1400" dirty="0">
+                <a:solidFill>
+                  <a:schemeClr val="tx1"/>
+                </a:solidFill>
+              </a:rPr>
+              <a:t>m</a:t>
+            </a:r>
+            <a:r>
+              <a:rPr lang="en-GB" sz="1400" dirty="0" smtClean="0">
+                <a:solidFill>
+                  <a:schemeClr val="tx1"/>
+                </a:solidFill>
+              </a:rPr>
+              <a:t>aximum = max(</a:t>
+            </a:r>
+            <a:r>
+              <a:rPr lang="en-GB" sz="1400" dirty="0" err="1" smtClean="0">
+                <a:solidFill>
+                  <a:schemeClr val="tx1"/>
+                </a:solidFill>
+              </a:rPr>
+              <a:t>a,b,c</a:t>
+            </a:r>
+            <a:r>
+              <a:rPr lang="en-GB" sz="1400" dirty="0" smtClean="0">
+                <a:solidFill>
+                  <a:schemeClr val="tx1"/>
+                </a:solidFill>
+              </a:rPr>
+              <a:t>)</a:t>
+            </a:r>
+            <a:endParaRPr lang="en-GB" sz="1400" dirty="0">
+              <a:solidFill>
+                <a:schemeClr val="tx1"/>
+              </a:solidFill>
+            </a:endParaRPr>
+          </a:p>
+        </p:txBody>
+      </p:sp>
+      <p:sp>
+        <p:nvSpPr>
+          <p:cNvPr id="11" name="Flowchart: Predefined Process 10"/>
+          <p:cNvSpPr/>
+          <p:nvPr/>
+        </p:nvSpPr>
+        <p:spPr>
+          <a:xfrm>
+            <a:off x="2135687" y="2974933"/>
+            <a:ext cx="1615858" cy="363250"/>
+          </a:xfrm>
+          <a:prstGeom prst="flowChartPredefinedProcess">
+            <a:avLst/>
+          </a:prstGeom>
+          <a:solidFill>
+            <a:schemeClr val="bg1"/>
+          </a:solidFill>
+        </p:spPr>
+        <p:style>
+          <a:lnRef idx="2">
+            <a:schemeClr val="accent1">
+              <a:shade val="50000"/>
+            </a:schemeClr>
+          </a:lnRef>
+          <a:fillRef idx="1">
+            <a:schemeClr val="accent1"/>
+          </a:fillRef>
+          <a:effectRef idx="0">
+            <a:schemeClr val="accent1"/>
+          </a:effectRef>
+          <a:fontRef idx="minor">
+            <a:schemeClr val="lt1"/>
+          </a:fontRef>
+        </p:style>
+        <p:txBody>
+          <a:bodyPr rtlCol="0" anchor="ctr"/>
+          <a:lstStyle/>
+          <a:p>
+            <a:pPr algn="ctr"/>
+            <a:r>
+              <a:rPr lang="en-GB" sz="1400" dirty="0" smtClean="0">
+                <a:solidFill>
+                  <a:schemeClr val="tx1"/>
+                </a:solidFill>
+              </a:rPr>
+              <a:t>min(</a:t>
+            </a:r>
+            <a:r>
+              <a:rPr lang="en-GB" sz="1400" dirty="0" err="1" smtClean="0">
+                <a:solidFill>
+                  <a:schemeClr val="tx1"/>
+                </a:solidFill>
+              </a:rPr>
+              <a:t>a,b,c</a:t>
+            </a:r>
+            <a:r>
+              <a:rPr lang="en-GB" sz="1400" dirty="0" smtClean="0">
+                <a:solidFill>
+                  <a:schemeClr val="tx1"/>
+                </a:solidFill>
+              </a:rPr>
+              <a:t>)</a:t>
+            </a:r>
+            <a:endParaRPr lang="en-GB" sz="1400" dirty="0">
+              <a:solidFill>
+                <a:schemeClr val="tx1"/>
+              </a:solidFill>
+            </a:endParaRPr>
+          </a:p>
+        </p:txBody>
+      </p:sp>
+      <p:cxnSp>
+        <p:nvCxnSpPr>
+          <p:cNvPr id="15" name="Straight Arrow Connector 14"/>
+          <p:cNvCxnSpPr/>
+          <p:nvPr/>
+        </p:nvCxnSpPr>
+        <p:spPr>
+          <a:xfrm>
+            <a:off x="2870542" y="2702478"/>
+            <a:ext cx="0" cy="275572"/>
+          </a:xfrm>
+          <a:prstGeom prst="straightConnector1">
+            <a:avLst/>
+          </a:prstGeom>
+          <a:ln>
+            <a:tailEnd type="triangle"/>
+          </a:ln>
+        </p:spPr>
+        <p:style>
+          <a:lnRef idx="1">
+            <a:schemeClr val="accent1"/>
+          </a:lnRef>
+          <a:fillRef idx="0">
+            <a:schemeClr val="accent1"/>
+          </a:fillRef>
+          <a:effectRef idx="0">
+            <a:schemeClr val="accent1"/>
+          </a:effectRef>
+          <a:fontRef idx="minor">
+            <a:schemeClr val="tx1"/>
+          </a:fontRef>
+        </p:style>
+      </p:cxnSp>
+      <p:cxnSp>
+        <p:nvCxnSpPr>
+          <p:cNvPr id="16" name="Straight Arrow Connector 15"/>
+          <p:cNvCxnSpPr/>
+          <p:nvPr/>
+        </p:nvCxnSpPr>
+        <p:spPr>
+          <a:xfrm>
+            <a:off x="2868460" y="3338183"/>
+            <a:ext cx="0" cy="275572"/>
+          </a:xfrm>
+          <a:prstGeom prst="straightConnector1">
+            <a:avLst/>
+          </a:prstGeom>
+          <a:ln>
+            <a:tailEnd type="triangle"/>
+          </a:ln>
+        </p:spPr>
+        <p:style>
+          <a:lnRef idx="1">
+            <a:schemeClr val="accent1"/>
+          </a:lnRef>
+          <a:fillRef idx="0">
+            <a:schemeClr val="accent1"/>
+          </a:fillRef>
+          <a:effectRef idx="0">
+            <a:schemeClr val="accent1"/>
+          </a:effectRef>
+          <a:fontRef idx="minor">
+            <a:schemeClr val="tx1"/>
+          </a:fontRef>
+        </p:style>
+      </p:cxnSp>
+      <p:sp>
+        <p:nvSpPr>
+          <p:cNvPr id="17" name="Flowchart: Data 16"/>
+          <p:cNvSpPr/>
+          <p:nvPr/>
+        </p:nvSpPr>
+        <p:spPr>
+          <a:xfrm>
+            <a:off x="1732764" y="4362132"/>
+            <a:ext cx="2167002" cy="335063"/>
+          </a:xfrm>
+          <a:prstGeom prst="flowChartInputOutput">
+            <a:avLst/>
+          </a:prstGeom>
+          <a:solidFill>
+            <a:schemeClr val="bg1"/>
+          </a:solidFill>
+        </p:spPr>
+        <p:style>
+          <a:lnRef idx="2">
+            <a:schemeClr val="accent1">
+              <a:shade val="50000"/>
+            </a:schemeClr>
+          </a:lnRef>
+          <a:fillRef idx="1">
+            <a:schemeClr val="accent1"/>
+          </a:fillRef>
+          <a:effectRef idx="0">
+            <a:schemeClr val="accent1"/>
+          </a:effectRef>
+          <a:fontRef idx="minor">
+            <a:schemeClr val="lt1"/>
+          </a:fontRef>
+        </p:style>
+        <p:txBody>
+          <a:bodyPr rtlCol="0" anchor="ctr"/>
+          <a:lstStyle/>
+          <a:p>
+            <a:pPr algn="ctr"/>
+            <a:r>
+              <a:rPr lang="en-GB" sz="1400" dirty="0">
+                <a:solidFill>
+                  <a:schemeClr val="tx1"/>
+                </a:solidFill>
+              </a:rPr>
+              <a:t>t</a:t>
+            </a:r>
+            <a:r>
+              <a:rPr lang="en-GB" sz="1400" dirty="0" smtClean="0">
+                <a:solidFill>
+                  <a:schemeClr val="tx1"/>
+                </a:solidFill>
+              </a:rPr>
+              <a:t>otal = a + b + c</a:t>
+            </a:r>
+            <a:endParaRPr lang="en-GB" sz="1400" dirty="0">
+              <a:solidFill>
+                <a:schemeClr val="tx1"/>
+              </a:solidFill>
+            </a:endParaRPr>
+          </a:p>
+        </p:txBody>
+      </p:sp>
+      <p:cxnSp>
+        <p:nvCxnSpPr>
+          <p:cNvPr id="18" name="Straight Arrow Connector 17"/>
+          <p:cNvCxnSpPr/>
+          <p:nvPr/>
+        </p:nvCxnSpPr>
+        <p:spPr>
+          <a:xfrm>
+            <a:off x="2868460" y="4086560"/>
+            <a:ext cx="0" cy="275572"/>
+          </a:xfrm>
+          <a:prstGeom prst="straightConnector1">
+            <a:avLst/>
+          </a:prstGeom>
+          <a:ln>
+            <a:tailEnd type="triangle"/>
+          </a:ln>
+        </p:spPr>
+        <p:style>
+          <a:lnRef idx="1">
+            <a:schemeClr val="accent1"/>
+          </a:lnRef>
+          <a:fillRef idx="0">
+            <a:schemeClr val="accent1"/>
+          </a:fillRef>
+          <a:effectRef idx="0">
+            <a:schemeClr val="accent1"/>
+          </a:effectRef>
+          <a:fontRef idx="minor">
+            <a:schemeClr val="tx1"/>
+          </a:fontRef>
+        </p:style>
+      </p:cxnSp>
+      <p:sp>
+        <p:nvSpPr>
+          <p:cNvPr id="21" name="Flowchart: Data 20"/>
+          <p:cNvSpPr/>
+          <p:nvPr/>
+        </p:nvSpPr>
+        <p:spPr>
+          <a:xfrm>
+            <a:off x="1653436" y="4979045"/>
+            <a:ext cx="2246330" cy="745292"/>
+          </a:xfrm>
+          <a:prstGeom prst="flowChartInputOutput">
+            <a:avLst/>
+          </a:prstGeom>
+          <a:solidFill>
+            <a:schemeClr val="bg1"/>
+          </a:solidFill>
+        </p:spPr>
+        <p:style>
+          <a:lnRef idx="2">
+            <a:schemeClr val="accent1">
+              <a:shade val="50000"/>
+            </a:schemeClr>
+          </a:lnRef>
+          <a:fillRef idx="1">
+            <a:schemeClr val="accent1"/>
+          </a:fillRef>
+          <a:effectRef idx="0">
+            <a:schemeClr val="accent1"/>
+          </a:effectRef>
+          <a:fontRef idx="minor">
+            <a:schemeClr val="lt1"/>
+          </a:fontRef>
+        </p:style>
+        <p:txBody>
+          <a:bodyPr rtlCol="0" anchor="ctr"/>
+          <a:lstStyle/>
+          <a:p>
+            <a:pPr algn="ctr"/>
+            <a:r>
+              <a:rPr lang="en-GB" sz="1400" dirty="0" smtClean="0">
+                <a:solidFill>
+                  <a:schemeClr val="tx1"/>
+                </a:solidFill>
+              </a:rPr>
+              <a:t>middle = total – maximum - minimum </a:t>
+            </a:r>
+            <a:endParaRPr lang="en-GB" sz="1400" dirty="0">
+              <a:solidFill>
+                <a:schemeClr val="tx1"/>
+              </a:solidFill>
+            </a:endParaRPr>
+          </a:p>
+        </p:txBody>
+      </p:sp>
+      <p:cxnSp>
+        <p:nvCxnSpPr>
+          <p:cNvPr id="22" name="Straight Arrow Connector 21"/>
+          <p:cNvCxnSpPr/>
+          <p:nvPr/>
+        </p:nvCxnSpPr>
+        <p:spPr>
+          <a:xfrm>
+            <a:off x="2826698" y="4697195"/>
+            <a:ext cx="0" cy="275572"/>
+          </a:xfrm>
+          <a:prstGeom prst="straightConnector1">
+            <a:avLst/>
+          </a:prstGeom>
+          <a:ln>
+            <a:tailEnd type="triangle"/>
+          </a:ln>
+        </p:spPr>
+        <p:style>
+          <a:lnRef idx="1">
+            <a:schemeClr val="accent1"/>
+          </a:lnRef>
+          <a:fillRef idx="0">
+            <a:schemeClr val="accent1"/>
+          </a:fillRef>
+          <a:effectRef idx="0">
+            <a:schemeClr val="accent1"/>
+          </a:effectRef>
+          <a:fontRef idx="minor">
+            <a:schemeClr val="tx1"/>
+          </a:fontRef>
+        </p:style>
+      </p:cxnSp>
+      <p:sp>
+        <p:nvSpPr>
+          <p:cNvPr id="23" name="Flowchart: Data 22"/>
+          <p:cNvSpPr/>
+          <p:nvPr/>
+        </p:nvSpPr>
+        <p:spPr>
+          <a:xfrm>
+            <a:off x="1467625" y="6006187"/>
+            <a:ext cx="2167002" cy="851813"/>
+          </a:xfrm>
+          <a:prstGeom prst="flowChartInputOutput">
+            <a:avLst/>
+          </a:prstGeom>
+          <a:solidFill>
+            <a:schemeClr val="bg1"/>
+          </a:solidFill>
+        </p:spPr>
+        <p:style>
+          <a:lnRef idx="2">
+            <a:schemeClr val="accent1">
+              <a:shade val="50000"/>
+            </a:schemeClr>
+          </a:lnRef>
+          <a:fillRef idx="1">
+            <a:schemeClr val="accent1"/>
+          </a:fillRef>
+          <a:effectRef idx="0">
+            <a:schemeClr val="accent1"/>
+          </a:effectRef>
+          <a:fontRef idx="minor">
+            <a:schemeClr val="lt1"/>
+          </a:fontRef>
+        </p:style>
+        <p:txBody>
+          <a:bodyPr rtlCol="0" anchor="ctr"/>
+          <a:lstStyle/>
+          <a:p>
+            <a:pPr algn="ctr"/>
+            <a:r>
+              <a:rPr lang="en-GB" sz="1400" dirty="0" smtClean="0">
+                <a:solidFill>
+                  <a:schemeClr val="tx1"/>
+                </a:solidFill>
+              </a:rPr>
+              <a:t>Output maximum, minimum and middle</a:t>
+            </a:r>
+            <a:endParaRPr lang="en-GB" sz="1400" dirty="0">
+              <a:solidFill>
+                <a:schemeClr val="tx1"/>
+              </a:solidFill>
+            </a:endParaRPr>
+          </a:p>
+        </p:txBody>
+      </p:sp>
+      <p:cxnSp>
+        <p:nvCxnSpPr>
+          <p:cNvPr id="24" name="Straight Arrow Connector 23"/>
+          <p:cNvCxnSpPr/>
+          <p:nvPr/>
+        </p:nvCxnSpPr>
+        <p:spPr>
+          <a:xfrm>
+            <a:off x="2787023" y="5724337"/>
+            <a:ext cx="0" cy="275572"/>
+          </a:xfrm>
+          <a:prstGeom prst="straightConnector1">
+            <a:avLst/>
+          </a:prstGeom>
+          <a:ln>
+            <a:tailEnd type="triangle"/>
+          </a:ln>
+        </p:spPr>
+        <p:style>
+          <a:lnRef idx="1">
+            <a:schemeClr val="accent1"/>
+          </a:lnRef>
+          <a:fillRef idx="0">
+            <a:schemeClr val="accent1"/>
+          </a:fillRef>
+          <a:effectRef idx="0">
+            <a:schemeClr val="accent1"/>
+          </a:effectRef>
+          <a:fontRef idx="minor">
+            <a:schemeClr val="tx1"/>
+          </a:fontRef>
+        </p:style>
+      </p:cxnSp>
+      <p:cxnSp>
+        <p:nvCxnSpPr>
+          <p:cNvPr id="25" name="Straight Arrow Connector 24"/>
+          <p:cNvCxnSpPr/>
+          <p:nvPr/>
+        </p:nvCxnSpPr>
+        <p:spPr>
+          <a:xfrm>
+            <a:off x="3427939" y="6432093"/>
+            <a:ext cx="471827" cy="0"/>
+          </a:xfrm>
+          <a:prstGeom prst="straightConnector1">
+            <a:avLst/>
+          </a:prstGeom>
+          <a:ln>
+            <a:tailEnd type="triangle"/>
+          </a:ln>
+        </p:spPr>
+        <p:style>
+          <a:lnRef idx="1">
+            <a:schemeClr val="accent1"/>
+          </a:lnRef>
+          <a:fillRef idx="0">
+            <a:schemeClr val="accent1"/>
+          </a:fillRef>
+          <a:effectRef idx="0">
+            <a:schemeClr val="accent1"/>
+          </a:effectRef>
+          <a:fontRef idx="minor">
+            <a:schemeClr val="tx1"/>
+          </a:fontRef>
+        </p:style>
+      </p:cxnSp>
+      <p:sp>
+        <p:nvSpPr>
+          <p:cNvPr id="27" name="Oval 26"/>
+          <p:cNvSpPr/>
+          <p:nvPr/>
+        </p:nvSpPr>
+        <p:spPr>
+          <a:xfrm>
+            <a:off x="3899766" y="6243796"/>
+            <a:ext cx="1139868" cy="376594"/>
+          </a:xfrm>
+          <a:prstGeom prst="ellipse">
+            <a:avLst/>
+          </a:prstGeom>
+          <a:solidFill>
+            <a:schemeClr val="bg1"/>
+          </a:solidFill>
+        </p:spPr>
+        <p:style>
+          <a:lnRef idx="2">
+            <a:schemeClr val="accent1">
+              <a:shade val="50000"/>
+            </a:schemeClr>
+          </a:lnRef>
+          <a:fillRef idx="1">
+            <a:schemeClr val="accent1"/>
+          </a:fillRef>
+          <a:effectRef idx="0">
+            <a:schemeClr val="accent1"/>
+          </a:effectRef>
+          <a:fontRef idx="minor">
+            <a:schemeClr val="lt1"/>
+          </a:fontRef>
+        </p:style>
+        <p:txBody>
+          <a:bodyPr rtlCol="0" anchor="ctr"/>
+          <a:lstStyle/>
+          <a:p>
+            <a:pPr algn="ctr"/>
+            <a:r>
+              <a:rPr lang="en-GB" dirty="0" smtClean="0">
+                <a:solidFill>
+                  <a:schemeClr val="tx1"/>
+                </a:solidFill>
+              </a:rPr>
+              <a:t>End</a:t>
+            </a:r>
+            <a:endParaRPr lang="en-GB" dirty="0">
+              <a:solidFill>
+                <a:schemeClr val="tx1"/>
+              </a:solidFill>
+            </a:endParaRPr>
+          </a:p>
+        </p:txBody>
+      </p:sp>
+      <p:sp>
+        <p:nvSpPr>
+          <p:cNvPr id="28" name="Oval 27"/>
+          <p:cNvSpPr/>
+          <p:nvPr/>
+        </p:nvSpPr>
+        <p:spPr>
+          <a:xfrm>
+            <a:off x="2459274" y="63821"/>
+            <a:ext cx="1139868" cy="376594"/>
+          </a:xfrm>
+          <a:prstGeom prst="ellipse">
+            <a:avLst/>
+          </a:prstGeom>
+          <a:solidFill>
+            <a:schemeClr val="bg1"/>
+          </a:solidFill>
+        </p:spPr>
+        <p:style>
+          <a:lnRef idx="2">
+            <a:schemeClr val="accent1">
+              <a:shade val="50000"/>
+            </a:schemeClr>
+          </a:lnRef>
+          <a:fillRef idx="1">
+            <a:schemeClr val="accent1"/>
+          </a:fillRef>
+          <a:effectRef idx="0">
+            <a:schemeClr val="accent1"/>
+          </a:effectRef>
+          <a:fontRef idx="minor">
+            <a:schemeClr val="lt1"/>
+          </a:fontRef>
+        </p:style>
+        <p:txBody>
+          <a:bodyPr rtlCol="0" anchor="ctr"/>
+          <a:lstStyle/>
+          <a:p>
+            <a:pPr algn="ctr"/>
+            <a:r>
+              <a:rPr lang="en-GB" dirty="0" smtClean="0">
+                <a:solidFill>
+                  <a:schemeClr val="tx1"/>
+                </a:solidFill>
+              </a:rPr>
+              <a:t>Start</a:t>
+            </a:r>
+            <a:endParaRPr lang="en-GB" dirty="0">
+              <a:solidFill>
+                <a:schemeClr val="tx1"/>
+              </a:solidFill>
+            </a:endParaRPr>
+          </a:p>
+        </p:txBody>
+      </p:sp>
+    </p:spTree>
+    <p:extLst>
+      <p:ext uri="{BB962C8B-B14F-4D97-AF65-F5344CB8AC3E}">
+        <p14:creationId xmlns:p14="http://schemas.microsoft.com/office/powerpoint/2010/main" val="1619073503"/>
+      </p:ext>
+    </p:extLst>
+  </p:cSld>
+  <p:clrMapOvr>
+    <a:masterClrMapping/>
+  </p:clrMapOvr>
+</p:sld>
+</file>
+
+<file path=ppt/slides/slide5.xml><?xml version="1.0" encoding="utf-8"?>
+<p:sld xmlns:a="http://schemas.openxmlformats.org/drawingml/2006/main" xmlns:r="http://schemas.openxmlformats.org/officeDocument/2006/relationships" xmlns:p="http://schemas.openxmlformats.org/presentationml/2006/main">
+  <p:cSld>
+    <p:spTree>
+      <p:nvGrpSpPr>
+        <p:cNvPr id="1" name=""/>
+        <p:cNvGrpSpPr/>
+        <p:nvPr/>
+      </p:nvGrpSpPr>
+      <p:grpSpPr>
+        <a:xfrm>
+          <a:off x="0" y="0"/>
+          <a:ext cx="0" cy="0"/>
+          <a:chOff x="0" y="0"/>
+          <a:chExt cx="0" cy="0"/>
+        </a:xfrm>
+      </p:grpSpPr>
+      <p:sp>
+        <p:nvSpPr>
+          <p:cNvPr id="2" name="Oval 1"/>
+          <p:cNvSpPr/>
+          <p:nvPr/>
+        </p:nvSpPr>
+        <p:spPr>
+          <a:xfrm>
+            <a:off x="2492680" y="137787"/>
+            <a:ext cx="1139868" cy="388307"/>
+          </a:xfrm>
+          <a:prstGeom prst="ellipse">
+            <a:avLst/>
+          </a:prstGeom>
+          <a:solidFill>
+            <a:schemeClr val="bg1"/>
+          </a:solidFill>
+        </p:spPr>
+        <p:style>
+          <a:lnRef idx="2">
+            <a:schemeClr val="accent1">
+              <a:shade val="50000"/>
+            </a:schemeClr>
+          </a:lnRef>
+          <a:fillRef idx="1">
+            <a:schemeClr val="accent1"/>
+          </a:fillRef>
+          <a:effectRef idx="0">
+            <a:schemeClr val="accent1"/>
+          </a:effectRef>
+          <a:fontRef idx="minor">
+            <a:schemeClr val="lt1"/>
+          </a:fontRef>
+        </p:style>
+        <p:txBody>
+          <a:bodyPr rtlCol="0" anchor="ctr"/>
+          <a:lstStyle/>
+          <a:p>
+            <a:pPr algn="ctr"/>
+            <a:r>
+              <a:rPr lang="en-GB" dirty="0" smtClean="0">
+                <a:solidFill>
+                  <a:schemeClr val="tx1"/>
+                </a:solidFill>
+              </a:rPr>
+              <a:t>Start</a:t>
+            </a:r>
+            <a:endParaRPr lang="en-GB" dirty="0">
+              <a:solidFill>
+                <a:schemeClr val="tx1"/>
+              </a:solidFill>
+            </a:endParaRPr>
+          </a:p>
+        </p:txBody>
+      </p:sp>
+      <p:sp>
+        <p:nvSpPr>
+          <p:cNvPr id="3" name="Rectangle 2"/>
+          <p:cNvSpPr/>
+          <p:nvPr/>
+        </p:nvSpPr>
+        <p:spPr>
+          <a:xfrm>
+            <a:off x="2200406" y="2104370"/>
+            <a:ext cx="1691012" cy="438411"/>
+          </a:xfrm>
+          <a:prstGeom prst="rect">
+            <a:avLst/>
+          </a:prstGeom>
+          <a:solidFill>
+            <a:schemeClr val="bg1"/>
+          </a:solidFill>
+        </p:spPr>
+        <p:style>
+          <a:lnRef idx="2">
+            <a:schemeClr val="accent1">
+              <a:shade val="50000"/>
+            </a:schemeClr>
+          </a:lnRef>
+          <a:fillRef idx="1">
+            <a:schemeClr val="accent1"/>
+          </a:fillRef>
+          <a:effectRef idx="0">
+            <a:schemeClr val="accent1"/>
+          </a:effectRef>
+          <a:fontRef idx="minor">
+            <a:schemeClr val="lt1"/>
+          </a:fontRef>
+        </p:style>
+        <p:txBody>
+          <a:bodyPr rtlCol="0" anchor="ctr"/>
+          <a:lstStyle/>
+          <a:p>
+            <a:pPr algn="ctr"/>
+            <a:r>
+              <a:rPr lang="en-GB" sz="1400" dirty="0" err="1" smtClean="0">
+                <a:solidFill>
+                  <a:schemeClr val="tx1"/>
+                </a:solidFill>
+              </a:rPr>
+              <a:t>value_less_than</a:t>
+            </a:r>
+            <a:r>
+              <a:rPr lang="en-GB" sz="1400" dirty="0" smtClean="0">
+                <a:solidFill>
+                  <a:schemeClr val="tx1"/>
+                </a:solidFill>
+              </a:rPr>
+              <a:t> = range(0,value)</a:t>
+            </a:r>
+            <a:endParaRPr lang="en-GB" sz="1400" dirty="0">
+              <a:solidFill>
+                <a:schemeClr val="tx1"/>
+              </a:solidFill>
+            </a:endParaRPr>
+          </a:p>
+        </p:txBody>
+      </p:sp>
+      <p:sp>
+        <p:nvSpPr>
+          <p:cNvPr id="4" name="Flowchart: Data 3"/>
+          <p:cNvSpPr/>
+          <p:nvPr/>
+        </p:nvSpPr>
+        <p:spPr>
+          <a:xfrm>
+            <a:off x="2135688" y="776613"/>
+            <a:ext cx="1853852" cy="425885"/>
+          </a:xfrm>
+          <a:prstGeom prst="flowChartInputOutput">
+            <a:avLst/>
+          </a:prstGeom>
+          <a:solidFill>
+            <a:schemeClr val="bg1"/>
+          </a:solidFill>
+        </p:spPr>
+        <p:style>
+          <a:lnRef idx="2">
+            <a:schemeClr val="accent1">
+              <a:shade val="50000"/>
+            </a:schemeClr>
+          </a:lnRef>
+          <a:fillRef idx="1">
+            <a:schemeClr val="accent1"/>
+          </a:fillRef>
+          <a:effectRef idx="0">
+            <a:schemeClr val="accent1"/>
+          </a:effectRef>
+          <a:fontRef idx="minor">
+            <a:schemeClr val="lt1"/>
+          </a:fontRef>
+        </p:style>
+        <p:txBody>
+          <a:bodyPr rtlCol="0" anchor="ctr"/>
+          <a:lstStyle/>
+          <a:p>
+            <a:pPr algn="ctr"/>
+            <a:r>
+              <a:rPr lang="en-GB" sz="1400" dirty="0" smtClean="0">
+                <a:solidFill>
+                  <a:schemeClr val="tx1"/>
+                </a:solidFill>
+              </a:rPr>
+              <a:t>Get input “value”</a:t>
+            </a:r>
+            <a:endParaRPr lang="en-GB" sz="1400" dirty="0">
+              <a:solidFill>
+                <a:schemeClr val="tx1"/>
+              </a:solidFill>
+            </a:endParaRPr>
+          </a:p>
+        </p:txBody>
+      </p:sp>
+      <p:sp>
+        <p:nvSpPr>
+          <p:cNvPr id="5" name="Flowchart: Predefined Process 4"/>
+          <p:cNvSpPr/>
+          <p:nvPr/>
+        </p:nvSpPr>
+        <p:spPr>
+          <a:xfrm>
+            <a:off x="2217107" y="1453017"/>
+            <a:ext cx="1691013" cy="400834"/>
+          </a:xfrm>
+          <a:prstGeom prst="flowChartPredefinedProcess">
+            <a:avLst/>
+          </a:prstGeom>
+          <a:solidFill>
+            <a:schemeClr val="bg1"/>
+          </a:solidFill>
+        </p:spPr>
+        <p:style>
+          <a:lnRef idx="2">
+            <a:schemeClr val="accent1">
+              <a:shade val="50000"/>
+            </a:schemeClr>
+          </a:lnRef>
+          <a:fillRef idx="1">
+            <a:schemeClr val="accent1"/>
+          </a:fillRef>
+          <a:effectRef idx="0">
+            <a:schemeClr val="accent1"/>
+          </a:effectRef>
+          <a:fontRef idx="minor">
+            <a:schemeClr val="lt1"/>
+          </a:fontRef>
+        </p:style>
+        <p:txBody>
+          <a:bodyPr rtlCol="0" anchor="ctr"/>
+          <a:lstStyle/>
+          <a:p>
+            <a:pPr algn="ctr"/>
+            <a:r>
+              <a:rPr lang="en-GB" sz="1400" dirty="0" smtClean="0">
+                <a:solidFill>
+                  <a:schemeClr val="tx1"/>
+                </a:solidFill>
+              </a:rPr>
+              <a:t>range(0,value)</a:t>
+            </a:r>
+            <a:endParaRPr lang="en-GB" sz="1400" dirty="0">
+              <a:solidFill>
+                <a:schemeClr val="tx1"/>
+              </a:solidFill>
+            </a:endParaRPr>
+          </a:p>
+        </p:txBody>
+      </p:sp>
+      <p:cxnSp>
+        <p:nvCxnSpPr>
+          <p:cNvPr id="7" name="Straight Arrow Connector 6"/>
+          <p:cNvCxnSpPr>
+            <a:stCxn id="2" idx="4"/>
+            <a:endCxn id="4" idx="1"/>
+          </p:cNvCxnSpPr>
+          <p:nvPr/>
+        </p:nvCxnSpPr>
+        <p:spPr>
+          <a:xfrm>
+            <a:off x="3062614" y="526094"/>
+            <a:ext cx="0" cy="250519"/>
+          </a:xfrm>
+          <a:prstGeom prst="straightConnector1">
+            <a:avLst/>
+          </a:prstGeom>
+          <a:ln>
+            <a:tailEnd type="triangle"/>
+          </a:ln>
+        </p:spPr>
+        <p:style>
+          <a:lnRef idx="1">
+            <a:schemeClr val="accent1"/>
+          </a:lnRef>
+          <a:fillRef idx="0">
+            <a:schemeClr val="accent1"/>
+          </a:fillRef>
+          <a:effectRef idx="0">
+            <a:schemeClr val="accent1"/>
+          </a:effectRef>
+          <a:fontRef idx="minor">
+            <a:schemeClr val="tx1"/>
+          </a:fontRef>
+        </p:style>
+      </p:cxnSp>
+      <p:cxnSp>
+        <p:nvCxnSpPr>
+          <p:cNvPr id="12" name="Straight Arrow Connector 11"/>
+          <p:cNvCxnSpPr/>
+          <p:nvPr/>
+        </p:nvCxnSpPr>
+        <p:spPr>
+          <a:xfrm>
+            <a:off x="3045912" y="1202498"/>
+            <a:ext cx="0" cy="250519"/>
+          </a:xfrm>
+          <a:prstGeom prst="straightConnector1">
+            <a:avLst/>
+          </a:prstGeom>
+          <a:ln>
+            <a:tailEnd type="triangle"/>
+          </a:ln>
+        </p:spPr>
+        <p:style>
+          <a:lnRef idx="1">
+            <a:schemeClr val="accent1"/>
+          </a:lnRef>
+          <a:fillRef idx="0">
+            <a:schemeClr val="accent1"/>
+          </a:fillRef>
+          <a:effectRef idx="0">
+            <a:schemeClr val="accent1"/>
+          </a:effectRef>
+          <a:fontRef idx="minor">
+            <a:schemeClr val="tx1"/>
+          </a:fontRef>
+        </p:style>
+      </p:cxnSp>
+      <p:cxnSp>
+        <p:nvCxnSpPr>
+          <p:cNvPr id="13" name="Straight Arrow Connector 12"/>
+          <p:cNvCxnSpPr/>
+          <p:nvPr/>
+        </p:nvCxnSpPr>
+        <p:spPr>
+          <a:xfrm>
+            <a:off x="3045912" y="1853851"/>
+            <a:ext cx="0" cy="250519"/>
+          </a:xfrm>
+          <a:prstGeom prst="straightConnector1">
+            <a:avLst/>
+          </a:prstGeom>
+          <a:ln>
+            <a:tailEnd type="triangle"/>
+          </a:ln>
+        </p:spPr>
+        <p:style>
+          <a:lnRef idx="1">
+            <a:schemeClr val="accent1"/>
+          </a:lnRef>
+          <a:fillRef idx="0">
+            <a:schemeClr val="accent1"/>
+          </a:fillRef>
+          <a:effectRef idx="0">
+            <a:schemeClr val="accent1"/>
+          </a:effectRef>
+          <a:fontRef idx="minor">
+            <a:schemeClr val="tx1"/>
+          </a:fontRef>
+        </p:style>
+      </p:cxnSp>
+      <p:sp>
+        <p:nvSpPr>
+          <p:cNvPr id="14" name="Diamond 13"/>
+          <p:cNvSpPr/>
+          <p:nvPr/>
+        </p:nvSpPr>
+        <p:spPr>
+          <a:xfrm>
+            <a:off x="2110630" y="5110616"/>
+            <a:ext cx="1709807" cy="914400"/>
+          </a:xfrm>
+          <a:prstGeom prst="diamond">
+            <a:avLst/>
+          </a:prstGeom>
+          <a:solidFill>
+            <a:schemeClr val="bg1"/>
+          </a:solidFill>
+        </p:spPr>
+        <p:style>
+          <a:lnRef idx="2">
+            <a:schemeClr val="accent1">
+              <a:shade val="50000"/>
+            </a:schemeClr>
+          </a:lnRef>
+          <a:fillRef idx="1">
+            <a:schemeClr val="accent1"/>
+          </a:fillRef>
+          <a:effectRef idx="0">
+            <a:schemeClr val="accent1"/>
+          </a:effectRef>
+          <a:fontRef idx="minor">
+            <a:schemeClr val="lt1"/>
+          </a:fontRef>
+        </p:style>
+        <p:txBody>
+          <a:bodyPr rtlCol="0" anchor="ctr"/>
+          <a:lstStyle/>
+          <a:p>
+            <a:pPr algn="ctr"/>
+            <a:r>
+              <a:rPr lang="en-GB" sz="1400" dirty="0" smtClean="0">
+                <a:solidFill>
+                  <a:schemeClr val="tx1"/>
+                </a:solidFill>
+              </a:rPr>
+              <a:t>Is length equal to zero </a:t>
+            </a:r>
+            <a:endParaRPr lang="en-GB" sz="1400" dirty="0">
+              <a:solidFill>
+                <a:schemeClr val="tx1"/>
+              </a:solidFill>
+            </a:endParaRPr>
+          </a:p>
+        </p:txBody>
+      </p:sp>
+      <p:sp>
+        <p:nvSpPr>
+          <p:cNvPr id="15" name="Rectangle 14"/>
+          <p:cNvSpPr/>
+          <p:nvPr/>
+        </p:nvSpPr>
+        <p:spPr>
+          <a:xfrm>
+            <a:off x="2271386" y="2793300"/>
+            <a:ext cx="1549051" cy="350729"/>
+          </a:xfrm>
+          <a:prstGeom prst="rect">
+            <a:avLst/>
+          </a:prstGeom>
+          <a:solidFill>
+            <a:schemeClr val="bg1"/>
+          </a:solidFill>
+        </p:spPr>
+        <p:style>
+          <a:lnRef idx="2">
+            <a:schemeClr val="accent1">
+              <a:shade val="50000"/>
+            </a:schemeClr>
+          </a:lnRef>
+          <a:fillRef idx="1">
+            <a:schemeClr val="accent1"/>
+          </a:fillRef>
+          <a:effectRef idx="0">
+            <a:schemeClr val="accent1"/>
+          </a:effectRef>
+          <a:fontRef idx="minor">
+            <a:schemeClr val="lt1"/>
+          </a:fontRef>
+        </p:style>
+        <p:txBody>
+          <a:bodyPr rtlCol="0" anchor="ctr"/>
+          <a:lstStyle/>
+          <a:p>
+            <a:pPr algn="ctr"/>
+            <a:r>
+              <a:rPr lang="en-GB" sz="1400" dirty="0">
+                <a:solidFill>
+                  <a:schemeClr val="tx1"/>
+                </a:solidFill>
+              </a:rPr>
+              <a:t>r</a:t>
+            </a:r>
+            <a:r>
+              <a:rPr lang="en-GB" sz="1400" dirty="0" smtClean="0">
+                <a:solidFill>
+                  <a:schemeClr val="tx1"/>
+                </a:solidFill>
+              </a:rPr>
+              <a:t>esult = 0</a:t>
+            </a:r>
+            <a:endParaRPr lang="en-GB" sz="1400" dirty="0">
+              <a:solidFill>
+                <a:schemeClr val="tx1"/>
+              </a:solidFill>
+            </a:endParaRPr>
+          </a:p>
+        </p:txBody>
+      </p:sp>
+      <p:sp>
+        <p:nvSpPr>
+          <p:cNvPr id="16" name="Rectangle 15"/>
+          <p:cNvSpPr/>
+          <p:nvPr/>
+        </p:nvSpPr>
+        <p:spPr>
+          <a:xfrm>
+            <a:off x="4221271" y="5360687"/>
+            <a:ext cx="1549051" cy="350729"/>
+          </a:xfrm>
+          <a:prstGeom prst="rect">
+            <a:avLst/>
+          </a:prstGeom>
+          <a:solidFill>
+            <a:schemeClr val="bg1"/>
+          </a:solidFill>
+        </p:spPr>
+        <p:style>
+          <a:lnRef idx="2">
+            <a:schemeClr val="accent1">
+              <a:shade val="50000"/>
+            </a:schemeClr>
+          </a:lnRef>
+          <a:fillRef idx="1">
+            <a:schemeClr val="accent1"/>
+          </a:fillRef>
+          <a:effectRef idx="0">
+            <a:schemeClr val="accent1"/>
+          </a:effectRef>
+          <a:fontRef idx="minor">
+            <a:schemeClr val="lt1"/>
+          </a:fontRef>
+        </p:style>
+        <p:txBody>
+          <a:bodyPr rtlCol="0" anchor="ctr"/>
+          <a:lstStyle/>
+          <a:p>
+            <a:pPr algn="ctr"/>
+            <a:r>
+              <a:rPr lang="en-GB" sz="1400" dirty="0" smtClean="0">
+                <a:solidFill>
+                  <a:schemeClr val="tx1"/>
+                </a:solidFill>
+              </a:rPr>
+              <a:t>length = length - 1</a:t>
+            </a:r>
+            <a:endParaRPr lang="en-GB" sz="1400" dirty="0">
+              <a:solidFill>
+                <a:schemeClr val="tx1"/>
+              </a:solidFill>
+            </a:endParaRPr>
+          </a:p>
+        </p:txBody>
+      </p:sp>
+      <p:cxnSp>
+        <p:nvCxnSpPr>
+          <p:cNvPr id="17" name="Straight Arrow Connector 16"/>
+          <p:cNvCxnSpPr/>
+          <p:nvPr/>
+        </p:nvCxnSpPr>
+        <p:spPr>
+          <a:xfrm>
+            <a:off x="3035469" y="2542781"/>
+            <a:ext cx="0" cy="250519"/>
+          </a:xfrm>
+          <a:prstGeom prst="straightConnector1">
+            <a:avLst/>
+          </a:prstGeom>
+          <a:ln>
+            <a:tailEnd type="triangle"/>
+          </a:ln>
+        </p:spPr>
+        <p:style>
+          <a:lnRef idx="1">
+            <a:schemeClr val="accent1"/>
+          </a:lnRef>
+          <a:fillRef idx="0">
+            <a:schemeClr val="accent1"/>
+          </a:fillRef>
+          <a:effectRef idx="0">
+            <a:schemeClr val="accent1"/>
+          </a:effectRef>
+          <a:fontRef idx="minor">
+            <a:schemeClr val="tx1"/>
+          </a:fontRef>
+        </p:style>
+      </p:cxnSp>
+      <p:cxnSp>
+        <p:nvCxnSpPr>
+          <p:cNvPr id="18" name="Straight Arrow Connector 17"/>
+          <p:cNvCxnSpPr/>
+          <p:nvPr/>
+        </p:nvCxnSpPr>
+        <p:spPr>
+          <a:xfrm>
+            <a:off x="3035469" y="3144029"/>
+            <a:ext cx="0" cy="250519"/>
+          </a:xfrm>
+          <a:prstGeom prst="straightConnector1">
+            <a:avLst/>
+          </a:prstGeom>
+          <a:ln>
+            <a:tailEnd type="triangle"/>
+          </a:ln>
+        </p:spPr>
+        <p:style>
+          <a:lnRef idx="1">
+            <a:schemeClr val="accent1"/>
+          </a:lnRef>
+          <a:fillRef idx="0">
+            <a:schemeClr val="accent1"/>
+          </a:fillRef>
+          <a:effectRef idx="0">
+            <a:schemeClr val="accent1"/>
+          </a:effectRef>
+          <a:fontRef idx="minor">
+            <a:schemeClr val="tx1"/>
+          </a:fontRef>
+        </p:style>
+      </p:cxnSp>
+      <p:sp>
+        <p:nvSpPr>
+          <p:cNvPr id="19" name="Flowchart: Predefined Process 18"/>
+          <p:cNvSpPr/>
+          <p:nvPr/>
+        </p:nvSpPr>
+        <p:spPr>
+          <a:xfrm>
+            <a:off x="2227540" y="3394554"/>
+            <a:ext cx="1615858" cy="638827"/>
+          </a:xfrm>
+          <a:prstGeom prst="flowChartPredefinedProcess">
+            <a:avLst/>
+          </a:prstGeom>
+          <a:solidFill>
+            <a:schemeClr val="bg1"/>
+          </a:solidFill>
+        </p:spPr>
+        <p:style>
+          <a:lnRef idx="2">
+            <a:schemeClr val="accent1">
+              <a:shade val="50000"/>
+            </a:schemeClr>
+          </a:lnRef>
+          <a:fillRef idx="1">
+            <a:schemeClr val="accent1"/>
+          </a:fillRef>
+          <a:effectRef idx="0">
+            <a:schemeClr val="accent1"/>
+          </a:effectRef>
+          <a:fontRef idx="minor">
+            <a:schemeClr val="lt1"/>
+          </a:fontRef>
+        </p:style>
+        <p:txBody>
+          <a:bodyPr rtlCol="0" anchor="ctr"/>
+          <a:lstStyle/>
+          <a:p>
+            <a:pPr algn="ctr"/>
+            <a:r>
+              <a:rPr lang="en-GB" sz="1400" dirty="0" err="1" smtClean="0">
+                <a:solidFill>
+                  <a:schemeClr val="tx1"/>
+                </a:solidFill>
+              </a:rPr>
+              <a:t>len</a:t>
+            </a:r>
+            <a:r>
+              <a:rPr lang="en-GB" sz="1400" dirty="0" smtClean="0">
+                <a:solidFill>
+                  <a:schemeClr val="tx1"/>
+                </a:solidFill>
+              </a:rPr>
+              <a:t>(</a:t>
+            </a:r>
+            <a:r>
+              <a:rPr lang="en-GB" sz="1400" dirty="0" err="1" smtClean="0">
+                <a:solidFill>
+                  <a:schemeClr val="tx1"/>
+                </a:solidFill>
+              </a:rPr>
+              <a:t>value_less_than</a:t>
+            </a:r>
+            <a:r>
+              <a:rPr lang="en-GB" sz="1400" dirty="0">
+                <a:solidFill>
+                  <a:schemeClr val="tx1"/>
+                </a:solidFill>
+              </a:rPr>
+              <a:t>)</a:t>
+            </a:r>
+          </a:p>
+        </p:txBody>
+      </p:sp>
+      <p:sp>
+        <p:nvSpPr>
+          <p:cNvPr id="20" name="Rectangle 19"/>
+          <p:cNvSpPr/>
+          <p:nvPr/>
+        </p:nvSpPr>
+        <p:spPr>
+          <a:xfrm>
+            <a:off x="2158645" y="4283906"/>
+            <a:ext cx="1703539" cy="576191"/>
+          </a:xfrm>
+          <a:prstGeom prst="rect">
+            <a:avLst/>
+          </a:prstGeom>
+          <a:solidFill>
+            <a:schemeClr val="bg1"/>
+          </a:solidFill>
+        </p:spPr>
+        <p:style>
+          <a:lnRef idx="2">
+            <a:schemeClr val="accent1">
+              <a:shade val="50000"/>
+            </a:schemeClr>
+          </a:lnRef>
+          <a:fillRef idx="1">
+            <a:schemeClr val="accent1"/>
+          </a:fillRef>
+          <a:effectRef idx="0">
+            <a:schemeClr val="accent1"/>
+          </a:effectRef>
+          <a:fontRef idx="minor">
+            <a:schemeClr val="lt1"/>
+          </a:fontRef>
+        </p:style>
+        <p:txBody>
+          <a:bodyPr rtlCol="0" anchor="ctr"/>
+          <a:lstStyle/>
+          <a:p>
+            <a:pPr algn="ctr"/>
+            <a:r>
+              <a:rPr lang="en-GB" sz="1400" dirty="0">
+                <a:solidFill>
+                  <a:schemeClr val="tx1"/>
+                </a:solidFill>
+              </a:rPr>
+              <a:t>l</a:t>
+            </a:r>
+            <a:r>
+              <a:rPr lang="en-GB" sz="1400" dirty="0" smtClean="0">
+                <a:solidFill>
+                  <a:schemeClr val="tx1"/>
+                </a:solidFill>
+              </a:rPr>
+              <a:t>ength = </a:t>
+            </a:r>
+            <a:r>
+              <a:rPr lang="en-GB" sz="1400" dirty="0" err="1" smtClean="0">
+                <a:solidFill>
+                  <a:schemeClr val="tx1"/>
+                </a:solidFill>
+              </a:rPr>
+              <a:t>len</a:t>
+            </a:r>
+            <a:r>
+              <a:rPr lang="en-GB" sz="1400" dirty="0" smtClean="0">
+                <a:solidFill>
+                  <a:schemeClr val="tx1"/>
+                </a:solidFill>
+              </a:rPr>
+              <a:t>(</a:t>
+            </a:r>
+            <a:r>
+              <a:rPr lang="en-GB" sz="1400" dirty="0" err="1" smtClean="0">
+                <a:solidFill>
+                  <a:schemeClr val="tx1"/>
+                </a:solidFill>
+              </a:rPr>
+              <a:t>value_less_than</a:t>
+            </a:r>
+            <a:r>
+              <a:rPr lang="en-GB" sz="1400" dirty="0" smtClean="0">
+                <a:solidFill>
+                  <a:schemeClr val="tx1"/>
+                </a:solidFill>
+              </a:rPr>
+              <a:t>)</a:t>
+            </a:r>
+            <a:endParaRPr lang="en-GB" sz="1400" dirty="0">
+              <a:solidFill>
+                <a:schemeClr val="tx1"/>
+              </a:solidFill>
+            </a:endParaRPr>
+          </a:p>
+        </p:txBody>
+      </p:sp>
+      <p:cxnSp>
+        <p:nvCxnSpPr>
+          <p:cNvPr id="21" name="Straight Arrow Connector 20"/>
+          <p:cNvCxnSpPr/>
+          <p:nvPr/>
+        </p:nvCxnSpPr>
+        <p:spPr>
+          <a:xfrm>
+            <a:off x="3010414" y="4033387"/>
+            <a:ext cx="0" cy="250519"/>
+          </a:xfrm>
+          <a:prstGeom prst="straightConnector1">
+            <a:avLst/>
+          </a:prstGeom>
+          <a:ln>
+            <a:tailEnd type="triangle"/>
+          </a:ln>
+        </p:spPr>
+        <p:style>
+          <a:lnRef idx="1">
+            <a:schemeClr val="accent1"/>
+          </a:lnRef>
+          <a:fillRef idx="0">
+            <a:schemeClr val="accent1"/>
+          </a:fillRef>
+          <a:effectRef idx="0">
+            <a:schemeClr val="accent1"/>
+          </a:effectRef>
+          <a:fontRef idx="minor">
+            <a:schemeClr val="tx1"/>
+          </a:fontRef>
+        </p:style>
+      </p:cxnSp>
+      <p:cxnSp>
+        <p:nvCxnSpPr>
+          <p:cNvPr id="22" name="Straight Arrow Connector 21"/>
+          <p:cNvCxnSpPr/>
+          <p:nvPr/>
+        </p:nvCxnSpPr>
+        <p:spPr>
+          <a:xfrm flipV="1">
+            <a:off x="3820437" y="5567816"/>
+            <a:ext cx="400834" cy="6260"/>
+          </a:xfrm>
+          <a:prstGeom prst="straightConnector1">
+            <a:avLst/>
+          </a:prstGeom>
+          <a:ln>
+            <a:tailEnd type="triangle"/>
+          </a:ln>
+        </p:spPr>
+        <p:style>
+          <a:lnRef idx="1">
+            <a:schemeClr val="accent1"/>
+          </a:lnRef>
+          <a:fillRef idx="0">
+            <a:schemeClr val="accent1"/>
+          </a:fillRef>
+          <a:effectRef idx="0">
+            <a:schemeClr val="accent1"/>
+          </a:effectRef>
+          <a:fontRef idx="minor">
+            <a:schemeClr val="tx1"/>
+          </a:fontRef>
+        </p:style>
+      </p:cxnSp>
+      <p:sp>
+        <p:nvSpPr>
+          <p:cNvPr id="28" name="TextBox 27"/>
+          <p:cNvSpPr txBox="1"/>
+          <p:nvPr/>
+        </p:nvSpPr>
+        <p:spPr>
+          <a:xfrm>
+            <a:off x="3908120" y="5260039"/>
+            <a:ext cx="488517" cy="307777"/>
+          </a:xfrm>
+          <a:prstGeom prst="rect">
+            <a:avLst/>
+          </a:prstGeom>
+          <a:noFill/>
+        </p:spPr>
+        <p:txBody>
+          <a:bodyPr wrap="square" rtlCol="0">
+            <a:spAutoFit/>
+          </a:bodyPr>
+          <a:lstStyle/>
+          <a:p>
+            <a:r>
+              <a:rPr lang="en-GB" sz="1400" dirty="0" smtClean="0"/>
+              <a:t>No</a:t>
+            </a:r>
+            <a:endParaRPr lang="en-GB" sz="1400" dirty="0"/>
+          </a:p>
+        </p:txBody>
+      </p:sp>
+      <p:cxnSp>
+        <p:nvCxnSpPr>
+          <p:cNvPr id="29" name="Straight Arrow Connector 28"/>
+          <p:cNvCxnSpPr/>
+          <p:nvPr/>
+        </p:nvCxnSpPr>
+        <p:spPr>
+          <a:xfrm>
+            <a:off x="2979091" y="4860097"/>
+            <a:ext cx="0" cy="250519"/>
+          </a:xfrm>
+          <a:prstGeom prst="straightConnector1">
+            <a:avLst/>
+          </a:prstGeom>
+          <a:ln>
+            <a:tailEnd type="triangle"/>
+          </a:ln>
+        </p:spPr>
+        <p:style>
+          <a:lnRef idx="1">
+            <a:schemeClr val="accent1"/>
+          </a:lnRef>
+          <a:fillRef idx="0">
+            <a:schemeClr val="accent1"/>
+          </a:fillRef>
+          <a:effectRef idx="0">
+            <a:schemeClr val="accent1"/>
+          </a:effectRef>
+          <a:fontRef idx="minor">
+            <a:schemeClr val="tx1"/>
+          </a:fontRef>
+        </p:style>
+      </p:cxnSp>
+      <p:cxnSp>
+        <p:nvCxnSpPr>
+          <p:cNvPr id="35" name="Straight Arrow Connector 34"/>
+          <p:cNvCxnSpPr/>
+          <p:nvPr/>
+        </p:nvCxnSpPr>
+        <p:spPr>
+          <a:xfrm flipV="1">
+            <a:off x="5770322" y="5567816"/>
+            <a:ext cx="400834" cy="6260"/>
+          </a:xfrm>
+          <a:prstGeom prst="straightConnector1">
+            <a:avLst/>
+          </a:prstGeom>
+          <a:ln>
+            <a:tailEnd type="triangle"/>
+          </a:ln>
+        </p:spPr>
+        <p:style>
+          <a:lnRef idx="1">
+            <a:schemeClr val="accent1"/>
+          </a:lnRef>
+          <a:fillRef idx="0">
+            <a:schemeClr val="accent1"/>
+          </a:fillRef>
+          <a:effectRef idx="0">
+            <a:schemeClr val="accent1"/>
+          </a:effectRef>
+          <a:fontRef idx="minor">
+            <a:schemeClr val="tx1"/>
+          </a:fontRef>
+        </p:style>
+      </p:cxnSp>
+      <p:sp>
+        <p:nvSpPr>
+          <p:cNvPr id="36" name="Flowchart: Data 35"/>
+          <p:cNvSpPr/>
+          <p:nvPr/>
+        </p:nvSpPr>
+        <p:spPr>
+          <a:xfrm>
+            <a:off x="10475933" y="4359058"/>
+            <a:ext cx="1853852" cy="425885"/>
+          </a:xfrm>
+          <a:prstGeom prst="flowChartInputOutput">
+            <a:avLst/>
+          </a:prstGeom>
+          <a:solidFill>
+            <a:schemeClr val="bg1"/>
+          </a:solidFill>
+        </p:spPr>
+        <p:style>
+          <a:lnRef idx="2">
+            <a:schemeClr val="accent1">
+              <a:shade val="50000"/>
+            </a:schemeClr>
+          </a:lnRef>
+          <a:fillRef idx="1">
+            <a:schemeClr val="accent1"/>
+          </a:fillRef>
+          <a:effectRef idx="0">
+            <a:schemeClr val="accent1"/>
+          </a:effectRef>
+          <a:fontRef idx="minor">
+            <a:schemeClr val="lt1"/>
+          </a:fontRef>
+        </p:style>
+        <p:txBody>
+          <a:bodyPr rtlCol="0" anchor="ctr"/>
+          <a:lstStyle/>
+          <a:p>
+            <a:pPr algn="ctr"/>
+            <a:r>
+              <a:rPr lang="en-GB" sz="1400" dirty="0" smtClean="0">
+                <a:solidFill>
+                  <a:schemeClr val="tx1"/>
+                </a:solidFill>
+              </a:rPr>
+              <a:t>Output </a:t>
+            </a:r>
+            <a:endParaRPr lang="en-GB" sz="1400" dirty="0">
+              <a:solidFill>
+                <a:schemeClr val="tx1"/>
+              </a:solidFill>
+            </a:endParaRPr>
+          </a:p>
+        </p:txBody>
+      </p:sp>
+      <p:sp>
+        <p:nvSpPr>
+          <p:cNvPr id="37" name="Rectangle 36"/>
+          <p:cNvSpPr/>
+          <p:nvPr/>
+        </p:nvSpPr>
+        <p:spPr>
+          <a:xfrm>
+            <a:off x="6171156" y="5319975"/>
+            <a:ext cx="2133600" cy="432152"/>
+          </a:xfrm>
+          <a:prstGeom prst="rect">
+            <a:avLst/>
+          </a:prstGeom>
+          <a:solidFill>
+            <a:schemeClr val="bg1"/>
+          </a:solidFill>
+        </p:spPr>
+        <p:style>
+          <a:lnRef idx="2">
+            <a:schemeClr val="accent1">
+              <a:shade val="50000"/>
+            </a:schemeClr>
+          </a:lnRef>
+          <a:fillRef idx="1">
+            <a:schemeClr val="accent1"/>
+          </a:fillRef>
+          <a:effectRef idx="0">
+            <a:schemeClr val="accent1"/>
+          </a:effectRef>
+          <a:fontRef idx="minor">
+            <a:schemeClr val="lt1"/>
+          </a:fontRef>
+        </p:style>
+        <p:txBody>
+          <a:bodyPr rtlCol="0" anchor="ctr"/>
+          <a:lstStyle/>
+          <a:p>
+            <a:pPr algn="ctr"/>
+            <a:r>
+              <a:rPr lang="en-GB" sz="1400" dirty="0" smtClean="0">
+                <a:solidFill>
+                  <a:schemeClr val="tx1"/>
+                </a:solidFill>
+              </a:rPr>
+              <a:t>result = result + </a:t>
+            </a:r>
+            <a:r>
+              <a:rPr lang="en-GB" sz="1400" dirty="0" err="1" smtClean="0">
+                <a:solidFill>
+                  <a:schemeClr val="tx1"/>
+                </a:solidFill>
+              </a:rPr>
+              <a:t>value_less_than</a:t>
+            </a:r>
+            <a:r>
+              <a:rPr lang="en-GB" sz="1400" dirty="0" smtClean="0">
+                <a:solidFill>
+                  <a:schemeClr val="tx1"/>
+                </a:solidFill>
+              </a:rPr>
+              <a:t>[length] </a:t>
+            </a:r>
+            <a:endParaRPr lang="en-GB" sz="1400" dirty="0">
+              <a:solidFill>
+                <a:schemeClr val="tx1"/>
+              </a:solidFill>
+            </a:endParaRPr>
+          </a:p>
+        </p:txBody>
+      </p:sp>
+    </p:spTree>
+    <p:extLst>
+      <p:ext uri="{BB962C8B-B14F-4D97-AF65-F5344CB8AC3E}">
+        <p14:creationId xmlns:p14="http://schemas.microsoft.com/office/powerpoint/2010/main" val="928805829"/>
       </p:ext>
     </p:extLst>
   </p:cSld>

--- a/George_Uwagbale_flowchart.pptx
+++ b/George_Uwagbale_flowchart.pptx
@@ -259,7 +259,7 @@
           <a:p>
             <a:fld id="{31737AE8-3FDD-4B24-882A-BF32097065FC}" type="datetimeFigureOut">
               <a:rPr lang="en-GB" smtClean="0"/>
-              <a:t>20/04/2021</a:t>
+              <a:t>22/04/2021</a:t>
             </a:fld>
             <a:endParaRPr lang="en-GB"/>
           </a:p>
@@ -429,7 +429,7 @@
           <a:p>
             <a:fld id="{31737AE8-3FDD-4B24-882A-BF32097065FC}" type="datetimeFigureOut">
               <a:rPr lang="en-GB" smtClean="0"/>
-              <a:t>20/04/2021</a:t>
+              <a:t>22/04/2021</a:t>
             </a:fld>
             <a:endParaRPr lang="en-GB"/>
           </a:p>
@@ -609,7 +609,7 @@
           <a:p>
             <a:fld id="{31737AE8-3FDD-4B24-882A-BF32097065FC}" type="datetimeFigureOut">
               <a:rPr lang="en-GB" smtClean="0"/>
-              <a:t>20/04/2021</a:t>
+              <a:t>22/04/2021</a:t>
             </a:fld>
             <a:endParaRPr lang="en-GB"/>
           </a:p>
@@ -779,7 +779,7 @@
           <a:p>
             <a:fld id="{31737AE8-3FDD-4B24-882A-BF32097065FC}" type="datetimeFigureOut">
               <a:rPr lang="en-GB" smtClean="0"/>
-              <a:t>20/04/2021</a:t>
+              <a:t>22/04/2021</a:t>
             </a:fld>
             <a:endParaRPr lang="en-GB"/>
           </a:p>
@@ -1025,7 +1025,7 @@
           <a:p>
             <a:fld id="{31737AE8-3FDD-4B24-882A-BF32097065FC}" type="datetimeFigureOut">
               <a:rPr lang="en-GB" smtClean="0"/>
-              <a:t>20/04/2021</a:t>
+              <a:t>22/04/2021</a:t>
             </a:fld>
             <a:endParaRPr lang="en-GB"/>
           </a:p>
@@ -1257,7 +1257,7 @@
           <a:p>
             <a:fld id="{31737AE8-3FDD-4B24-882A-BF32097065FC}" type="datetimeFigureOut">
               <a:rPr lang="en-GB" smtClean="0"/>
-              <a:t>20/04/2021</a:t>
+              <a:t>22/04/2021</a:t>
             </a:fld>
             <a:endParaRPr lang="en-GB"/>
           </a:p>
@@ -1624,7 +1624,7 @@
           <a:p>
             <a:fld id="{31737AE8-3FDD-4B24-882A-BF32097065FC}" type="datetimeFigureOut">
               <a:rPr lang="en-GB" smtClean="0"/>
-              <a:t>20/04/2021</a:t>
+              <a:t>22/04/2021</a:t>
             </a:fld>
             <a:endParaRPr lang="en-GB"/>
           </a:p>
@@ -1742,7 +1742,7 @@
           <a:p>
             <a:fld id="{31737AE8-3FDD-4B24-882A-BF32097065FC}" type="datetimeFigureOut">
               <a:rPr lang="en-GB" smtClean="0"/>
-              <a:t>20/04/2021</a:t>
+              <a:t>22/04/2021</a:t>
             </a:fld>
             <a:endParaRPr lang="en-GB"/>
           </a:p>
@@ -1837,7 +1837,7 @@
           <a:p>
             <a:fld id="{31737AE8-3FDD-4B24-882A-BF32097065FC}" type="datetimeFigureOut">
               <a:rPr lang="en-GB" smtClean="0"/>
-              <a:t>20/04/2021</a:t>
+              <a:t>22/04/2021</a:t>
             </a:fld>
             <a:endParaRPr lang="en-GB"/>
           </a:p>
@@ -2114,7 +2114,7 @@
           <a:p>
             <a:fld id="{31737AE8-3FDD-4B24-882A-BF32097065FC}" type="datetimeFigureOut">
               <a:rPr lang="en-GB" smtClean="0"/>
-              <a:t>20/04/2021</a:t>
+              <a:t>22/04/2021</a:t>
             </a:fld>
             <a:endParaRPr lang="en-GB"/>
           </a:p>
@@ -2367,7 +2367,7 @@
           <a:p>
             <a:fld id="{31737AE8-3FDD-4B24-882A-BF32097065FC}" type="datetimeFigureOut">
               <a:rPr lang="en-GB" smtClean="0"/>
-              <a:t>20/04/2021</a:t>
+              <a:t>22/04/2021</a:t>
             </a:fld>
             <a:endParaRPr lang="en-GB"/>
           </a:p>
@@ -2580,7 +2580,7 @@
           <a:p>
             <a:fld id="{31737AE8-3FDD-4B24-882A-BF32097065FC}" type="datetimeFigureOut">
               <a:rPr lang="en-GB" smtClean="0"/>
-              <a:t>20/04/2021</a:t>
+              <a:t>22/04/2021</a:t>
             </a:fld>
             <a:endParaRPr lang="en-GB"/>
           </a:p>
@@ -6943,7 +6943,7 @@
         </p:nvSpPr>
         <p:spPr>
           <a:xfrm>
-            <a:off x="2492680" y="137787"/>
+            <a:off x="3685818" y="118706"/>
             <a:ext cx="1139868" cy="388307"/>
           </a:xfrm>
           <a:prstGeom prst="ellipse">
@@ -6975,14 +6975,14 @@
           <a:p>
             <a:pPr algn="ctr"/>
             <a:r>
-              <a:rPr lang="en-GB" dirty="0" smtClean="0">
+              <a:rPr lang="en-GB" sz="1200" dirty="0" smtClean="0">
                 <a:solidFill>
                   <a:schemeClr val="tx1"/>
                 </a:solidFill>
               </a:rPr>
               <a:t>Start</a:t>
             </a:r>
-            <a:endParaRPr lang="en-GB" dirty="0">
+            <a:endParaRPr lang="en-GB" sz="1200" dirty="0">
               <a:solidFill>
                 <a:schemeClr val="tx1"/>
               </a:solidFill>
@@ -6998,7 +6998,7 @@
         </p:nvSpPr>
         <p:spPr>
           <a:xfrm>
-            <a:off x="2200406" y="2104370"/>
+            <a:off x="3400851" y="3216133"/>
             <a:ext cx="1691012" cy="438411"/>
           </a:xfrm>
           <a:prstGeom prst="rect">
@@ -7030,7 +7030,7 @@
           <a:p>
             <a:pPr algn="ctr"/>
             <a:r>
-              <a:rPr lang="en-GB" sz="1400" dirty="0" err="1" smtClean="0">
+              <a:rPr lang="en-GB" sz="1200" dirty="0" err="1" smtClean="0">
                 <a:solidFill>
                   <a:schemeClr val="tx1"/>
                 </a:solidFill>
@@ -7038,14 +7038,14 @@
               <a:t>value_less_than</a:t>
             </a:r>
             <a:r>
-              <a:rPr lang="en-GB" sz="1400" dirty="0" smtClean="0">
+              <a:rPr lang="en-GB" sz="1200" dirty="0" smtClean="0">
                 <a:solidFill>
                   <a:schemeClr val="tx1"/>
                 </a:solidFill>
               </a:rPr>
               <a:t> = range(0,value)</a:t>
             </a:r>
-            <a:endParaRPr lang="en-GB" sz="1400" dirty="0">
+            <a:endParaRPr lang="en-GB" sz="1200" dirty="0">
               <a:solidFill>
                 <a:schemeClr val="tx1"/>
               </a:solidFill>
@@ -7061,8 +7061,8 @@
         </p:nvSpPr>
         <p:spPr>
           <a:xfrm>
-            <a:off x="2135688" y="776613"/>
-            <a:ext cx="1853852" cy="425885"/>
+            <a:off x="3308374" y="665303"/>
+            <a:ext cx="1853852" cy="319572"/>
           </a:xfrm>
           <a:prstGeom prst="flowChartInputOutput">
             <a:avLst/>
@@ -7093,14 +7093,14 @@
           <a:p>
             <a:pPr algn="ctr"/>
             <a:r>
-              <a:rPr lang="en-GB" sz="1400" dirty="0" smtClean="0">
+              <a:rPr lang="en-GB" sz="1200" dirty="0" smtClean="0">
                 <a:solidFill>
                   <a:schemeClr val="tx1"/>
                 </a:solidFill>
               </a:rPr>
               <a:t>Get input “value”</a:t>
             </a:r>
-            <a:endParaRPr lang="en-GB" sz="1400" dirty="0">
+            <a:endParaRPr lang="en-GB" sz="1200" dirty="0">
               <a:solidFill>
                 <a:schemeClr val="tx1"/>
               </a:solidFill>
@@ -7116,7 +7116,7 @@
         </p:nvSpPr>
         <p:spPr>
           <a:xfrm>
-            <a:off x="2217107" y="1453017"/>
+            <a:off x="3389792" y="2618820"/>
             <a:ext cx="1691013" cy="400834"/>
           </a:xfrm>
           <a:prstGeom prst="flowChartPredefinedProcess">
@@ -7148,14 +7148,14 @@
           <a:p>
             <a:pPr algn="ctr"/>
             <a:r>
-              <a:rPr lang="en-GB" sz="1400" dirty="0" smtClean="0">
+              <a:rPr lang="en-GB" sz="1200" dirty="0" smtClean="0">
                 <a:solidFill>
                   <a:schemeClr val="tx1"/>
                 </a:solidFill>
               </a:rPr>
               <a:t>range(0,value)</a:t>
             </a:r>
-            <a:endParaRPr lang="en-GB" sz="1400" dirty="0">
+            <a:endParaRPr lang="en-GB" sz="1200" dirty="0">
               <a:solidFill>
                 <a:schemeClr val="tx1"/>
               </a:solidFill>
@@ -7173,9 +7173,9 @@
           <p:nvPr/>
         </p:nvCxnSpPr>
         <p:spPr>
-          <a:xfrm>
-            <a:off x="3062614" y="526094"/>
-            <a:ext cx="0" cy="250519"/>
+          <a:xfrm flipH="1">
+            <a:off x="4235300" y="507013"/>
+            <a:ext cx="20452" cy="158290"/>
           </a:xfrm>
           <a:prstGeom prst="straightConnector1">
             <a:avLst/>
@@ -7202,13 +7202,16 @@
       <p:cxnSp>
         <p:nvCxnSpPr>
           <p:cNvPr id="12" name="Straight Arrow Connector 11"/>
-          <p:cNvCxnSpPr/>
+          <p:cNvCxnSpPr>
+            <a:stCxn id="4" idx="4"/>
+            <a:endCxn id="38" idx="0"/>
+          </p:cNvCxnSpPr>
           <p:nvPr/>
         </p:nvCxnSpPr>
         <p:spPr>
           <a:xfrm>
-            <a:off x="3045912" y="1202498"/>
-            <a:ext cx="0" cy="250519"/>
+            <a:off x="4235300" y="984875"/>
+            <a:ext cx="0" cy="158789"/>
           </a:xfrm>
           <a:prstGeom prst="straightConnector1">
             <a:avLst/>
@@ -7235,13 +7238,16 @@
       <p:cxnSp>
         <p:nvCxnSpPr>
           <p:cNvPr id="13" name="Straight Arrow Connector 12"/>
-          <p:cNvCxnSpPr/>
+          <p:cNvCxnSpPr>
+            <a:stCxn id="38" idx="2"/>
+            <a:endCxn id="15" idx="0"/>
+          </p:cNvCxnSpPr>
           <p:nvPr/>
         </p:nvCxnSpPr>
         <p:spPr>
           <a:xfrm>
-            <a:off x="3045912" y="1853851"/>
-            <a:ext cx="0" cy="250519"/>
+            <a:off x="4235300" y="1823854"/>
+            <a:ext cx="10226" cy="197162"/>
           </a:xfrm>
           <a:prstGeom prst="straightConnector1">
             <a:avLst/>
@@ -7273,7 +7279,7 @@
         </p:nvSpPr>
         <p:spPr>
           <a:xfrm>
-            <a:off x="2110630" y="5110616"/>
+            <a:off x="3400851" y="4348553"/>
             <a:ext cx="1709807" cy="914400"/>
           </a:xfrm>
           <a:prstGeom prst="diamond">
@@ -7305,12 +7311,130 @@
           <a:p>
             <a:pPr algn="ctr"/>
             <a:r>
-              <a:rPr lang="en-GB" sz="1400" dirty="0" smtClean="0">
+              <a:rPr lang="en-GB" sz="1200" dirty="0" smtClean="0">
                 <a:solidFill>
                   <a:schemeClr val="tx1"/>
                 </a:solidFill>
               </a:rPr>
               <a:t>Is length equal to zero </a:t>
+            </a:r>
+            <a:endParaRPr lang="en-GB" sz="1200" dirty="0">
+              <a:solidFill>
+                <a:schemeClr val="tx1"/>
+              </a:solidFill>
+            </a:endParaRPr>
+          </a:p>
+        </p:txBody>
+      </p:sp>
+      <p:sp>
+        <p:nvSpPr>
+          <p:cNvPr id="15" name="Rectangle 14"/>
+          <p:cNvSpPr/>
+          <p:nvPr/>
+        </p:nvSpPr>
+        <p:spPr>
+          <a:xfrm>
+            <a:off x="3471000" y="2021016"/>
+            <a:ext cx="1549051" cy="350729"/>
+          </a:xfrm>
+          <a:prstGeom prst="rect">
+            <a:avLst/>
+          </a:prstGeom>
+          <a:solidFill>
+            <a:schemeClr val="bg1"/>
+          </a:solidFill>
+        </p:spPr>
+        <p:style>
+          <a:lnRef idx="2">
+            <a:schemeClr val="accent1">
+              <a:shade val="50000"/>
+            </a:schemeClr>
+          </a:lnRef>
+          <a:fillRef idx="1">
+            <a:schemeClr val="accent1"/>
+          </a:fillRef>
+          <a:effectRef idx="0">
+            <a:schemeClr val="accent1"/>
+          </a:effectRef>
+          <a:fontRef idx="minor">
+            <a:schemeClr val="lt1"/>
+          </a:fontRef>
+        </p:style>
+        <p:txBody>
+          <a:bodyPr rtlCol="0" anchor="ctr"/>
+          <a:lstStyle/>
+          <a:p>
+            <a:pPr algn="ctr"/>
+            <a:r>
+              <a:rPr lang="en-GB" sz="1200" dirty="0">
+                <a:solidFill>
+                  <a:schemeClr val="tx1"/>
+                </a:solidFill>
+              </a:rPr>
+              <a:t>r</a:t>
+            </a:r>
+            <a:r>
+              <a:rPr lang="en-GB" sz="1200" dirty="0" smtClean="0">
+                <a:solidFill>
+                  <a:schemeClr val="tx1"/>
+                </a:solidFill>
+              </a:rPr>
+              <a:t>esult = 0</a:t>
+            </a:r>
+            <a:endParaRPr lang="en-GB" sz="1200" dirty="0">
+              <a:solidFill>
+                <a:schemeClr val="tx1"/>
+              </a:solidFill>
+            </a:endParaRPr>
+          </a:p>
+        </p:txBody>
+      </p:sp>
+      <p:sp>
+        <p:nvSpPr>
+          <p:cNvPr id="16" name="Rectangle 15"/>
+          <p:cNvSpPr/>
+          <p:nvPr/>
+        </p:nvSpPr>
+        <p:spPr>
+          <a:xfrm>
+            <a:off x="3485634" y="6349117"/>
+            <a:ext cx="1549051" cy="350729"/>
+          </a:xfrm>
+          <a:prstGeom prst="rect">
+            <a:avLst/>
+          </a:prstGeom>
+          <a:solidFill>
+            <a:schemeClr val="bg1"/>
+          </a:solidFill>
+        </p:spPr>
+        <p:style>
+          <a:lnRef idx="2">
+            <a:schemeClr val="accent1">
+              <a:shade val="50000"/>
+            </a:schemeClr>
+          </a:lnRef>
+          <a:fillRef idx="1">
+            <a:schemeClr val="accent1"/>
+          </a:fillRef>
+          <a:effectRef idx="0">
+            <a:schemeClr val="accent1"/>
+          </a:effectRef>
+          <a:fontRef idx="minor">
+            <a:schemeClr val="lt1"/>
+          </a:fontRef>
+        </p:style>
+        <p:txBody>
+          <a:bodyPr rtlCol="0" anchor="ctr"/>
+          <a:lstStyle/>
+          <a:p>
+            <a:pPr algn="ctr"/>
+            <a:r>
+              <a:rPr lang="en-GB" sz="1400" dirty="0" smtClean="0">
+                <a:solidFill>
+                  <a:schemeClr val="tx1"/>
+                </a:solidFill>
+              </a:rPr>
+              <a:t>length = length - 1</a:t>
             </a:r>
             <a:endParaRPr lang="en-GB" sz="1400" dirty="0">
               <a:solidFill>
@@ -7320,16 +7444,88 @@
           </a:p>
         </p:txBody>
       </p:sp>
-      <p:sp>
-        <p:nvSpPr>
-          <p:cNvPr id="15" name="Rectangle 14"/>
+      <p:cxnSp>
+        <p:nvCxnSpPr>
+          <p:cNvPr id="17" name="Straight Arrow Connector 16"/>
+          <p:cNvCxnSpPr>
+            <a:stCxn id="5" idx="2"/>
+            <a:endCxn id="3" idx="0"/>
+          </p:cNvCxnSpPr>
+          <p:nvPr/>
+        </p:nvCxnSpPr>
+        <p:spPr>
+          <a:xfrm>
+            <a:off x="4235299" y="3019654"/>
+            <a:ext cx="11058" cy="196479"/>
+          </a:xfrm>
+          <a:prstGeom prst="straightConnector1">
+            <a:avLst/>
+          </a:prstGeom>
+          <a:ln>
+            <a:tailEnd type="triangle"/>
+          </a:ln>
+        </p:spPr>
+        <p:style>
+          <a:lnRef idx="1">
+            <a:schemeClr val="accent1"/>
+          </a:lnRef>
+          <a:fillRef idx="0">
+            <a:schemeClr val="accent1"/>
+          </a:fillRef>
+          <a:effectRef idx="0">
+            <a:schemeClr val="accent1"/>
+          </a:effectRef>
+          <a:fontRef idx="minor">
+            <a:schemeClr val="tx1"/>
+          </a:fontRef>
+        </p:style>
+      </p:cxnSp>
+      <p:cxnSp>
+        <p:nvCxnSpPr>
+          <p:cNvPr id="18" name="Straight Arrow Connector 17"/>
+          <p:cNvCxnSpPr>
+            <a:stCxn id="20" idx="2"/>
+            <a:endCxn id="14" idx="0"/>
+          </p:cNvCxnSpPr>
+          <p:nvPr/>
+        </p:nvCxnSpPr>
+        <p:spPr>
+          <a:xfrm flipH="1">
+            <a:off x="4255755" y="4179773"/>
+            <a:ext cx="3134" cy="168780"/>
+          </a:xfrm>
+          <a:prstGeom prst="straightConnector1">
+            <a:avLst/>
+          </a:prstGeom>
+          <a:ln>
+            <a:tailEnd type="triangle"/>
+          </a:ln>
+        </p:spPr>
+        <p:style>
+          <a:lnRef idx="1">
+            <a:schemeClr val="accent1"/>
+          </a:lnRef>
+          <a:fillRef idx="0">
+            <a:schemeClr val="accent1"/>
+          </a:fillRef>
+          <a:effectRef idx="0">
+            <a:schemeClr val="accent1"/>
+          </a:effectRef>
+          <a:fontRef idx="minor">
+            <a:schemeClr val="tx1"/>
+          </a:fontRef>
+        </p:style>
+      </p:cxnSp>
+      <p:sp>
+        <p:nvSpPr>
+          <p:cNvPr id="20" name="Rectangle 19"/>
           <p:cNvSpPr/>
           <p:nvPr/>
         </p:nvSpPr>
         <p:spPr>
           <a:xfrm>
-            <a:off x="2271386" y="2793300"/>
-            <a:ext cx="1549051" cy="350729"/>
+            <a:off x="3407119" y="3823324"/>
+            <a:ext cx="1703539" cy="356449"/>
           </a:xfrm>
           <a:prstGeom prst="rect">
             <a:avLst/>
@@ -7360,20 +7556,245 @@
           <a:p>
             <a:pPr algn="ctr"/>
             <a:r>
-              <a:rPr lang="en-GB" sz="1400" dirty="0">
+              <a:rPr lang="en-GB" sz="1200" dirty="0">
                 <a:solidFill>
                   <a:schemeClr val="tx1"/>
                 </a:solidFill>
               </a:rPr>
-              <a:t>r</a:t>
-            </a:r>
+              <a:t>l</a:t>
+            </a:r>
+            <a:r>
+              <a:rPr lang="en-GB" sz="1200" dirty="0" smtClean="0">
+                <a:solidFill>
+                  <a:schemeClr val="tx1"/>
+                </a:solidFill>
+              </a:rPr>
+              <a:t>ength = </a:t>
+            </a:r>
+            <a:r>
+              <a:rPr lang="en-GB" sz="1200" dirty="0" err="1" smtClean="0">
+                <a:solidFill>
+                  <a:schemeClr val="tx1"/>
+                </a:solidFill>
+              </a:rPr>
+              <a:t>len</a:t>
+            </a:r>
+            <a:r>
+              <a:rPr lang="en-GB" sz="1200" dirty="0" smtClean="0">
+                <a:solidFill>
+                  <a:schemeClr val="tx1"/>
+                </a:solidFill>
+              </a:rPr>
+              <a:t>(</a:t>
+            </a:r>
+            <a:r>
+              <a:rPr lang="en-GB" sz="1200" dirty="0" err="1" smtClean="0">
+                <a:solidFill>
+                  <a:schemeClr val="tx1"/>
+                </a:solidFill>
+              </a:rPr>
+              <a:t>value_less_than</a:t>
+            </a:r>
+            <a:r>
+              <a:rPr lang="en-GB" sz="1200" dirty="0" smtClean="0">
+                <a:solidFill>
+                  <a:schemeClr val="tx1"/>
+                </a:solidFill>
+              </a:rPr>
+              <a:t>)</a:t>
+            </a:r>
+            <a:endParaRPr lang="en-GB" sz="1200" dirty="0">
+              <a:solidFill>
+                <a:schemeClr val="tx1"/>
+              </a:solidFill>
+            </a:endParaRPr>
+          </a:p>
+        </p:txBody>
+      </p:sp>
+      <p:cxnSp>
+        <p:nvCxnSpPr>
+          <p:cNvPr id="21" name="Straight Arrow Connector 20"/>
+          <p:cNvCxnSpPr>
+            <a:stCxn id="3" idx="2"/>
+            <a:endCxn id="20" idx="0"/>
+          </p:cNvCxnSpPr>
+          <p:nvPr/>
+        </p:nvCxnSpPr>
+        <p:spPr>
+          <a:xfrm>
+            <a:off x="4246357" y="3654544"/>
+            <a:ext cx="12532" cy="168780"/>
+          </a:xfrm>
+          <a:prstGeom prst="straightConnector1">
+            <a:avLst/>
+          </a:prstGeom>
+          <a:ln>
+            <a:tailEnd type="triangle"/>
+          </a:ln>
+        </p:spPr>
+        <p:style>
+          <a:lnRef idx="1">
+            <a:schemeClr val="accent1"/>
+          </a:lnRef>
+          <a:fillRef idx="0">
+            <a:schemeClr val="accent1"/>
+          </a:fillRef>
+          <a:effectRef idx="0">
+            <a:schemeClr val="accent1"/>
+          </a:effectRef>
+          <a:fontRef idx="minor">
+            <a:schemeClr val="tx1"/>
+          </a:fontRef>
+        </p:style>
+      </p:cxnSp>
+      <p:cxnSp>
+        <p:nvCxnSpPr>
+          <p:cNvPr id="22" name="Straight Arrow Connector 21"/>
+          <p:cNvCxnSpPr>
+            <a:stCxn id="23" idx="2"/>
+            <a:endCxn id="37" idx="0"/>
+          </p:cNvCxnSpPr>
+          <p:nvPr/>
+        </p:nvCxnSpPr>
+        <p:spPr>
+          <a:xfrm flipH="1">
+            <a:off x="4260160" y="5735980"/>
+            <a:ext cx="4405" cy="160076"/>
+          </a:xfrm>
+          <a:prstGeom prst="straightConnector1">
+            <a:avLst/>
+          </a:prstGeom>
+          <a:ln>
+            <a:tailEnd type="triangle"/>
+          </a:ln>
+        </p:spPr>
+        <p:style>
+          <a:lnRef idx="1">
+            <a:schemeClr val="accent1"/>
+          </a:lnRef>
+          <a:fillRef idx="0">
+            <a:schemeClr val="accent1"/>
+          </a:fillRef>
+          <a:effectRef idx="0">
+            <a:schemeClr val="accent1"/>
+          </a:effectRef>
+          <a:fontRef idx="minor">
+            <a:schemeClr val="tx1"/>
+          </a:fontRef>
+        </p:style>
+      </p:cxnSp>
+      <p:sp>
+        <p:nvSpPr>
+          <p:cNvPr id="28" name="TextBox 27"/>
+          <p:cNvSpPr txBox="1"/>
+          <p:nvPr/>
+        </p:nvSpPr>
+        <p:spPr>
+          <a:xfrm>
+            <a:off x="4337169" y="5111543"/>
+            <a:ext cx="488517" cy="307777"/>
+          </a:xfrm>
+          <a:prstGeom prst="rect">
+            <a:avLst/>
+          </a:prstGeom>
+          <a:noFill/>
+        </p:spPr>
+        <p:txBody>
+          <a:bodyPr wrap="square" rtlCol="0">
+            <a:spAutoFit/>
+          </a:bodyPr>
+          <a:lstStyle/>
+          <a:p>
+            <a:r>
+              <a:rPr lang="en-GB" sz="1400" dirty="0" smtClean="0"/>
+              <a:t>No</a:t>
+            </a:r>
+            <a:endParaRPr lang="en-GB" sz="1400" dirty="0"/>
+          </a:p>
+        </p:txBody>
+      </p:sp>
+      <p:cxnSp>
+        <p:nvCxnSpPr>
+          <p:cNvPr id="35" name="Straight Arrow Connector 34"/>
+          <p:cNvCxnSpPr>
+            <a:stCxn id="14" idx="2"/>
+            <a:endCxn id="23" idx="0"/>
+          </p:cNvCxnSpPr>
+          <p:nvPr/>
+        </p:nvCxnSpPr>
+        <p:spPr>
+          <a:xfrm>
+            <a:off x="4255755" y="5262953"/>
+            <a:ext cx="8810" cy="175572"/>
+          </a:xfrm>
+          <a:prstGeom prst="straightConnector1">
+            <a:avLst/>
+          </a:prstGeom>
+          <a:ln>
+            <a:tailEnd type="triangle"/>
+          </a:ln>
+        </p:spPr>
+        <p:style>
+          <a:lnRef idx="1">
+            <a:schemeClr val="accent1"/>
+          </a:lnRef>
+          <a:fillRef idx="0">
+            <a:schemeClr val="accent1"/>
+          </a:fillRef>
+          <a:effectRef idx="0">
+            <a:schemeClr val="accent1"/>
+          </a:effectRef>
+          <a:fontRef idx="minor">
+            <a:schemeClr val="tx1"/>
+          </a:fontRef>
+        </p:style>
+      </p:cxnSp>
+      <p:sp>
+        <p:nvSpPr>
+          <p:cNvPr id="36" name="Flowchart: Data 35"/>
+          <p:cNvSpPr/>
+          <p:nvPr/>
+        </p:nvSpPr>
+        <p:spPr>
+          <a:xfrm>
+            <a:off x="9179572" y="901872"/>
+            <a:ext cx="1853852" cy="425885"/>
+          </a:xfrm>
+          <a:prstGeom prst="flowChartInputOutput">
+            <a:avLst/>
+          </a:prstGeom>
+          <a:solidFill>
+            <a:schemeClr val="bg1"/>
+          </a:solidFill>
+        </p:spPr>
+        <p:style>
+          <a:lnRef idx="2">
+            <a:schemeClr val="accent1">
+              <a:shade val="50000"/>
+            </a:schemeClr>
+          </a:lnRef>
+          <a:fillRef idx="1">
+            <a:schemeClr val="accent1"/>
+          </a:fillRef>
+          <a:effectRef idx="0">
+            <a:schemeClr val="accent1"/>
+          </a:effectRef>
+          <a:fontRef idx="minor">
+            <a:schemeClr val="lt1"/>
+          </a:fontRef>
+        </p:style>
+        <p:txBody>
+          <a:bodyPr rtlCol="0" anchor="ctr"/>
+          <a:lstStyle/>
+          <a:p>
+            <a:pPr algn="ctr"/>
             <a:r>
               <a:rPr lang="en-GB" sz="1400" dirty="0" smtClean="0">
                 <a:solidFill>
                   <a:schemeClr val="tx1"/>
                 </a:solidFill>
               </a:rPr>
-              <a:t>esult = 0</a:t>
+              <a:t>Output </a:t>
             </a:r>
             <a:endParaRPr lang="en-GB" sz="1400" dirty="0">
               <a:solidFill>
@@ -7385,14 +7806,14 @@
       </p:sp>
       <p:sp>
         <p:nvSpPr>
-          <p:cNvPr id="16" name="Rectangle 15"/>
+          <p:cNvPr id="37" name="Rectangle 36"/>
           <p:cNvSpPr/>
           <p:nvPr/>
         </p:nvSpPr>
         <p:spPr>
           <a:xfrm>
-            <a:off x="4221271" y="5360687"/>
-            <a:ext cx="1549051" cy="350729"/>
+            <a:off x="3193360" y="5896056"/>
+            <a:ext cx="2133600" cy="297456"/>
           </a:xfrm>
           <a:prstGeom prst="rect">
             <a:avLst/>
@@ -7428,7 +7849,15 @@
                   <a:schemeClr val="tx1"/>
                 </a:solidFill>
               </a:rPr>
-              <a:t>length = length - 1</a:t>
+              <a:t>result = result + </a:t>
+            </a:r>
+            <a:r>
+              <a:rPr lang="en-GB" sz="1400" dirty="0" smtClean="0">
+                <a:solidFill>
+                  <a:schemeClr val="tx1"/>
+                </a:solidFill>
+              </a:rPr>
+              <a:t>Total </a:t>
             </a:r>
             <a:endParaRPr lang="en-GB" sz="1400" dirty="0">
               <a:solidFill>
@@ -7438,84 +7867,18 @@
           </a:p>
         </p:txBody>
       </p:sp>
-      <p:cxnSp>
-        <p:nvCxnSpPr>
-          <p:cNvPr id="17" name="Straight Arrow Connector 16"/>
-          <p:cNvCxnSpPr/>
-          <p:nvPr/>
-        </p:nvCxnSpPr>
-        <p:spPr>
-          <a:xfrm>
-            <a:off x="3035469" y="2542781"/>
-            <a:ext cx="0" cy="250519"/>
-          </a:xfrm>
-          <a:prstGeom prst="straightConnector1">
-            <a:avLst/>
-          </a:prstGeom>
-          <a:ln>
-            <a:tailEnd type="triangle"/>
-          </a:ln>
-        </p:spPr>
-        <p:style>
-          <a:lnRef idx="1">
-            <a:schemeClr val="accent1"/>
-          </a:lnRef>
-          <a:fillRef idx="0">
-            <a:schemeClr val="accent1"/>
-          </a:fillRef>
-          <a:effectRef idx="0">
-            <a:schemeClr val="accent1"/>
-          </a:effectRef>
-          <a:fontRef idx="minor">
-            <a:schemeClr val="tx1"/>
-          </a:fontRef>
-        </p:style>
-      </p:cxnSp>
-      <p:cxnSp>
-        <p:nvCxnSpPr>
-          <p:cNvPr id="18" name="Straight Arrow Connector 17"/>
-          <p:cNvCxnSpPr/>
-          <p:nvPr/>
-        </p:nvCxnSpPr>
-        <p:spPr>
-          <a:xfrm>
-            <a:off x="3035469" y="3144029"/>
-            <a:ext cx="0" cy="250519"/>
-          </a:xfrm>
-          <a:prstGeom prst="straightConnector1">
-            <a:avLst/>
-          </a:prstGeom>
-          <a:ln>
-            <a:tailEnd type="triangle"/>
-          </a:ln>
-        </p:spPr>
-        <p:style>
-          <a:lnRef idx="1">
-            <a:schemeClr val="accent1"/>
-          </a:lnRef>
-          <a:fillRef idx="0">
-            <a:schemeClr val="accent1"/>
-          </a:fillRef>
-          <a:effectRef idx="0">
-            <a:schemeClr val="accent1"/>
-          </a:effectRef>
-          <a:fontRef idx="minor">
-            <a:schemeClr val="tx1"/>
-          </a:fontRef>
-        </p:style>
-      </p:cxnSp>
-      <p:sp>
-        <p:nvSpPr>
-          <p:cNvPr id="19" name="Flowchart: Predefined Process 18"/>
+      <p:sp>
+        <p:nvSpPr>
+          <p:cNvPr id="23" name="Rectangle 22"/>
           <p:cNvSpPr/>
           <p:nvPr/>
         </p:nvSpPr>
         <p:spPr>
           <a:xfrm>
-            <a:off x="2227540" y="3394554"/>
-            <a:ext cx="1615858" cy="638827"/>
-          </a:xfrm>
-          <a:prstGeom prst="flowChartPredefinedProcess">
+            <a:off x="3032336" y="5438525"/>
+            <a:ext cx="2464457" cy="297455"/>
+          </a:xfrm>
+          <a:prstGeom prst="rect">
             <a:avLst/>
           </a:prstGeom>
           <a:solidFill>
@@ -7544,23 +7907,15 @@
           <a:p>
             <a:pPr algn="ctr"/>
             <a:r>
-              <a:rPr lang="en-GB" sz="1400" dirty="0" err="1" smtClean="0">
+              <a:rPr lang="en-GB" sz="1200" dirty="0">
                 <a:solidFill>
                   <a:schemeClr val="tx1"/>
                 </a:solidFill>
               </a:rPr>
-              <a:t>len</a:t>
-            </a:r>
-            <a:r>
-              <a:rPr lang="en-GB" sz="1400" dirty="0" smtClean="0">
-                <a:solidFill>
-                  <a:schemeClr val="tx1"/>
-                </a:solidFill>
-              </a:rPr>
-              <a:t>(</a:t>
-            </a:r>
-            <a:r>
-              <a:rPr lang="en-GB" sz="1400" dirty="0" err="1" smtClean="0">
+              <a:t>Total = </a:t>
+            </a:r>
+            <a:r>
+              <a:rPr lang="en-GB" sz="1200" dirty="0" err="1">
                 <a:solidFill>
                   <a:schemeClr val="tx1"/>
                 </a:solidFill>
@@ -7568,28 +7923,41 @@
               <a:t>value_less_than</a:t>
             </a:r>
             <a:r>
-              <a:rPr lang="en-GB" sz="1400" dirty="0">
+              <a:rPr lang="en-GB" sz="1200" dirty="0">
                 <a:solidFill>
                   <a:schemeClr val="tx1"/>
                 </a:solidFill>
               </a:rPr>
-              <a:t>)</a:t>
-            </a:r>
-          </a:p>
-        </p:txBody>
-      </p:sp>
-      <p:sp>
-        <p:nvSpPr>
-          <p:cNvPr id="20" name="Rectangle 19"/>
+              <a:t>[length</a:t>
+            </a:r>
+            <a:r>
+              <a:rPr lang="en-GB" sz="1200" dirty="0" smtClean="0">
+                <a:solidFill>
+                  <a:schemeClr val="tx1"/>
+                </a:solidFill>
+              </a:rPr>
+              <a:t>] * *3 </a:t>
+            </a:r>
+            <a:endParaRPr lang="en-GB" sz="1200" dirty="0">
+              <a:solidFill>
+                <a:schemeClr val="tx1"/>
+              </a:solidFill>
+            </a:endParaRPr>
+          </a:p>
+        </p:txBody>
+      </p:sp>
+      <p:sp>
+        <p:nvSpPr>
+          <p:cNvPr id="38" name="Diamond 37"/>
           <p:cNvSpPr/>
           <p:nvPr/>
         </p:nvSpPr>
         <p:spPr>
           <a:xfrm>
-            <a:off x="2158645" y="4283906"/>
-            <a:ext cx="1703539" cy="576191"/>
-          </a:xfrm>
-          <a:prstGeom prst="rect">
+            <a:off x="3380396" y="1143664"/>
+            <a:ext cx="1709807" cy="680190"/>
+          </a:xfrm>
+          <a:prstGeom prst="diamond">
             <a:avLst/>
           </a:prstGeom>
           <a:solidFill>
@@ -7618,54 +7986,22 @@
           <a:p>
             <a:pPr algn="ctr"/>
             <a:r>
-              <a:rPr lang="en-GB" sz="1400" dirty="0">
+              <a:rPr lang="en-GB" sz="1200" dirty="0" smtClean="0">
                 <a:solidFill>
                   <a:schemeClr val="tx1"/>
                 </a:solidFill>
               </a:rPr>
-              <a:t>l</a:t>
-            </a:r>
-            <a:r>
-              <a:rPr lang="en-GB" sz="1400" dirty="0" smtClean="0">
+              <a:t>Is </a:t>
+            </a:r>
+            <a:r>
+              <a:rPr lang="en-GB" sz="1200" dirty="0" smtClean="0">
                 <a:solidFill>
                   <a:schemeClr val="tx1"/>
                 </a:solidFill>
               </a:rPr>
-              <a:t>ength = </a:t>
-            </a:r>
-            <a:r>
-              <a:rPr lang="en-GB" sz="1400" dirty="0" err="1" smtClean="0">
-                <a:solidFill>
-                  <a:schemeClr val="tx1"/>
-                </a:solidFill>
-              </a:rPr>
-              <a:t>len</a:t>
-            </a:r>
-            <a:r>
-              <a:rPr lang="en-GB" sz="1400" dirty="0" smtClean="0">
-                <a:solidFill>
-                  <a:schemeClr val="tx1"/>
-                </a:solidFill>
-              </a:rPr>
-              <a:t>(</a:t>
-            </a:r>
-            <a:r>
-              <a:rPr lang="en-GB" sz="1400" dirty="0" err="1" smtClean="0">
-                <a:solidFill>
-                  <a:schemeClr val="tx1"/>
-                </a:solidFill>
-              </a:rPr>
-              <a:t>value_less_than</a:t>
-            </a:r>
-            <a:r>
-              <a:rPr lang="en-GB" sz="1400" dirty="0" smtClean="0">
-                <a:solidFill>
-                  <a:schemeClr val="tx1"/>
-                </a:solidFill>
-              </a:rPr>
-              <a:t>)</a:t>
-            </a:r>
-            <a:endParaRPr lang="en-GB" sz="1400" dirty="0">
+              <a:t>value greater than 0 </a:t>
+            </a:r>
+            <a:endParaRPr lang="en-GB" sz="1200" dirty="0">
               <a:solidFill>
                 <a:schemeClr val="tx1"/>
               </a:solidFill>
@@ -7673,16 +8009,49 @@
           </a:p>
         </p:txBody>
       </p:sp>
+      <p:sp>
+        <p:nvSpPr>
+          <p:cNvPr id="44" name="TextBox 43"/>
+          <p:cNvSpPr txBox="1"/>
+          <p:nvPr/>
+        </p:nvSpPr>
+        <p:spPr>
+          <a:xfrm>
+            <a:off x="3032336" y="4572783"/>
+            <a:ext cx="488517" cy="307777"/>
+          </a:xfrm>
+          <a:prstGeom prst="rect">
+            <a:avLst/>
+          </a:prstGeom>
+          <a:noFill/>
+        </p:spPr>
+        <p:txBody>
+          <a:bodyPr wrap="square" rtlCol="0">
+            <a:spAutoFit/>
+          </a:bodyPr>
+          <a:lstStyle/>
+          <a:p>
+            <a:r>
+              <a:rPr lang="en-GB" sz="1400" dirty="0" smtClean="0"/>
+              <a:t>Yes</a:t>
+            </a:r>
+            <a:endParaRPr lang="en-GB" sz="1400" dirty="0"/>
+          </a:p>
+        </p:txBody>
+      </p:sp>
       <p:cxnSp>
         <p:nvCxnSpPr>
-          <p:cNvPr id="21" name="Straight Arrow Connector 20"/>
-          <p:cNvCxnSpPr/>
+          <p:cNvPr id="53" name="Straight Arrow Connector 52"/>
+          <p:cNvCxnSpPr>
+            <a:stCxn id="38" idx="1"/>
+            <a:endCxn id="128" idx="5"/>
+          </p:cNvCxnSpPr>
           <p:nvPr/>
         </p:nvCxnSpPr>
         <p:spPr>
-          <a:xfrm>
-            <a:off x="3010414" y="4033387"/>
-            <a:ext cx="0" cy="250519"/>
+          <a:xfrm flipH="1">
+            <a:off x="2827153" y="1483759"/>
+            <a:ext cx="553243" cy="181771"/>
           </a:xfrm>
           <a:prstGeom prst="straightConnector1">
             <a:avLst/>
@@ -7708,14 +8077,17 @@
       </p:cxnSp>
       <p:cxnSp>
         <p:nvCxnSpPr>
-          <p:cNvPr id="22" name="Straight Arrow Connector 21"/>
-          <p:cNvCxnSpPr/>
+          <p:cNvPr id="103" name="Straight Arrow Connector 102"/>
+          <p:cNvCxnSpPr>
+            <a:stCxn id="15" idx="2"/>
+            <a:endCxn id="5" idx="0"/>
+          </p:cNvCxnSpPr>
           <p:nvPr/>
         </p:nvCxnSpPr>
         <p:spPr>
-          <a:xfrm flipV="1">
-            <a:off x="3820437" y="5567816"/>
-            <a:ext cx="400834" cy="6260"/>
+          <a:xfrm flipH="1">
+            <a:off x="4235299" y="2371745"/>
+            <a:ext cx="10227" cy="247075"/>
           </a:xfrm>
           <a:prstGeom prst="straightConnector1">
             <a:avLst/>
@@ -7739,49 +8111,24 @@
           </a:fontRef>
         </p:style>
       </p:cxnSp>
-      <p:sp>
-        <p:nvSpPr>
-          <p:cNvPr id="28" name="TextBox 27"/>
-          <p:cNvSpPr txBox="1"/>
-          <p:nvPr/>
-        </p:nvSpPr>
-        <p:spPr>
-          <a:xfrm>
-            <a:off x="3908120" y="5260039"/>
-            <a:ext cx="488517" cy="307777"/>
-          </a:xfrm>
-          <a:prstGeom prst="rect">
-            <a:avLst/>
-          </a:prstGeom>
-          <a:noFill/>
-        </p:spPr>
-        <p:txBody>
-          <a:bodyPr wrap="square" rtlCol="0">
-            <a:spAutoFit/>
-          </a:bodyPr>
-          <a:lstStyle/>
-          <a:p>
-            <a:r>
-              <a:rPr lang="en-GB" sz="1400" dirty="0" smtClean="0"/>
-              <a:t>No</a:t>
-            </a:r>
-            <a:endParaRPr lang="en-GB" sz="1400" dirty="0"/>
-          </a:p>
-        </p:txBody>
-      </p:sp>
       <p:cxnSp>
         <p:nvCxnSpPr>
-          <p:cNvPr id="29" name="Straight Arrow Connector 28"/>
-          <p:cNvCxnSpPr/>
+          <p:cNvPr id="119" name="Elbow Connector 118"/>
+          <p:cNvCxnSpPr>
+            <a:stCxn id="16" idx="3"/>
+            <a:endCxn id="14" idx="3"/>
+          </p:cNvCxnSpPr>
           <p:nvPr/>
         </p:nvCxnSpPr>
         <p:spPr>
-          <a:xfrm>
-            <a:off x="2979091" y="4860097"/>
-            <a:ext cx="0" cy="250519"/>
-          </a:xfrm>
-          <a:prstGeom prst="straightConnector1">
-            <a:avLst/>
+          <a:xfrm flipV="1">
+            <a:off x="5034685" y="4805753"/>
+            <a:ext cx="75973" cy="1718729"/>
+          </a:xfrm>
+          <a:prstGeom prst="bentConnector3">
+            <a:avLst>
+              <a:gd name="adj1" fmla="val 922933"/>
+            </a:avLst>
           </a:prstGeom>
           <a:ln>
             <a:tailEnd type="triangle"/>
@@ -7804,14 +8151,17 @@
       </p:cxnSp>
       <p:cxnSp>
         <p:nvCxnSpPr>
-          <p:cNvPr id="35" name="Straight Arrow Connector 34"/>
-          <p:cNvCxnSpPr/>
+          <p:cNvPr id="121" name="Straight Arrow Connector 120"/>
+          <p:cNvCxnSpPr>
+            <a:stCxn id="14" idx="1"/>
+            <a:endCxn id="125" idx="5"/>
+          </p:cNvCxnSpPr>
           <p:nvPr/>
         </p:nvCxnSpPr>
         <p:spPr>
-          <a:xfrm flipV="1">
-            <a:off x="5770322" y="5567816"/>
-            <a:ext cx="400834" cy="6260"/>
+          <a:xfrm flipH="1">
+            <a:off x="2946224" y="4805753"/>
+            <a:ext cx="454627" cy="2766"/>
           </a:xfrm>
           <a:prstGeom prst="straightConnector1">
             <a:avLst/>
@@ -7837,14 +8187,14 @@
       </p:cxnSp>
       <p:sp>
         <p:nvSpPr>
-          <p:cNvPr id="36" name="Flowchart: Data 35"/>
+          <p:cNvPr id="125" name="Flowchart: Data 124"/>
           <p:cNvSpPr/>
           <p:nvPr/>
         </p:nvSpPr>
         <p:spPr>
           <a:xfrm>
-            <a:off x="10475933" y="4359058"/>
-            <a:ext cx="1853852" cy="425885"/>
+            <a:off x="1960209" y="4639739"/>
+            <a:ext cx="1095572" cy="337559"/>
           </a:xfrm>
           <a:prstGeom prst="flowChartInputOutput">
             <a:avLst/>
@@ -7875,14 +8225,14 @@
           <a:p>
             <a:pPr algn="ctr"/>
             <a:r>
-              <a:rPr lang="en-GB" sz="1400" dirty="0" smtClean="0">
+              <a:rPr lang="en-GB" sz="1200" dirty="0" smtClean="0">
                 <a:solidFill>
                   <a:schemeClr val="tx1"/>
                 </a:solidFill>
               </a:rPr>
-              <a:t>Output </a:t>
-            </a:r>
-            <a:endParaRPr lang="en-GB" sz="1400" dirty="0">
+              <a:t>Output result</a:t>
+            </a:r>
+            <a:endParaRPr lang="en-GB" sz="1200" dirty="0">
               <a:solidFill>
                 <a:schemeClr val="tx1"/>
               </a:solidFill>
@@ -7892,16 +8242,16 @@
       </p:sp>
       <p:sp>
         <p:nvSpPr>
-          <p:cNvPr id="37" name="Rectangle 36"/>
+          <p:cNvPr id="128" name="Flowchart: Data 127"/>
           <p:cNvSpPr/>
           <p:nvPr/>
         </p:nvSpPr>
         <p:spPr>
           <a:xfrm>
-            <a:off x="6171156" y="5319975"/>
-            <a:ext cx="2133600" cy="432152"/>
-          </a:xfrm>
-          <a:prstGeom prst="rect">
+            <a:off x="980502" y="1491242"/>
+            <a:ext cx="2051834" cy="348575"/>
+          </a:xfrm>
+          <a:prstGeom prst="flowChartInputOutput">
             <a:avLst/>
           </a:prstGeom>
           <a:solidFill>
@@ -7930,30 +8280,14 @@
           <a:p>
             <a:pPr algn="ctr"/>
             <a:r>
-              <a:rPr lang="en-GB" sz="1400" dirty="0" smtClean="0">
+              <a:rPr lang="en-GB" sz="1200" dirty="0" smtClean="0">
                 <a:solidFill>
                   <a:schemeClr val="tx1"/>
                 </a:solidFill>
               </a:rPr>
-              <a:t>result = result + </a:t>
-            </a:r>
-            <a:r>
-              <a:rPr lang="en-GB" sz="1400" dirty="0" err="1" smtClean="0">
-                <a:solidFill>
-                  <a:schemeClr val="tx1"/>
-                </a:solidFill>
-              </a:rPr>
-              <a:t>value_less_than</a:t>
-            </a:r>
-            <a:r>
-              <a:rPr lang="en-GB" sz="1400" dirty="0" smtClean="0">
-                <a:solidFill>
-                  <a:schemeClr val="tx1"/>
-                </a:solidFill>
-              </a:rPr>
-              <a:t>[length] </a:t>
-            </a:r>
-            <a:endParaRPr lang="en-GB" sz="1400" dirty="0">
+              <a:t>Output “Input a positive integer”</a:t>
+            </a:r>
+            <a:endParaRPr lang="en-GB" sz="1200" dirty="0">
               <a:solidFill>
                 <a:schemeClr val="tx1"/>
               </a:solidFill>
@@ -7961,6 +8295,42 @@
           </a:p>
         </p:txBody>
       </p:sp>
+      <p:cxnSp>
+        <p:nvCxnSpPr>
+          <p:cNvPr id="161" name="Straight Arrow Connector 160"/>
+          <p:cNvCxnSpPr>
+            <a:stCxn id="37" idx="2"/>
+            <a:endCxn id="16" idx="0"/>
+          </p:cNvCxnSpPr>
+          <p:nvPr/>
+        </p:nvCxnSpPr>
+        <p:spPr>
+          <a:xfrm>
+            <a:off x="4260160" y="6193512"/>
+            <a:ext cx="0" cy="155605"/>
+          </a:xfrm>
+          <a:prstGeom prst="straightConnector1">
+            <a:avLst/>
+          </a:prstGeom>
+          <a:ln>
+            <a:tailEnd type="triangle"/>
+          </a:ln>
+        </p:spPr>
+        <p:style>
+          <a:lnRef idx="1">
+            <a:schemeClr val="accent1"/>
+          </a:lnRef>
+          <a:fillRef idx="0">
+            <a:schemeClr val="accent1"/>
+          </a:fillRef>
+          <a:effectRef idx="0">
+            <a:schemeClr val="accent1"/>
+          </a:effectRef>
+          <a:fontRef idx="minor">
+            <a:schemeClr val="tx1"/>
+          </a:fontRef>
+        </p:style>
+      </p:cxnSp>
     </p:spTree>
     <p:extLst>
       <p:ext uri="{BB962C8B-B14F-4D97-AF65-F5344CB8AC3E}">

--- a/George_Uwagbale_flowchart.pptx
+++ b/George_Uwagbale_flowchart.pptx
@@ -6943,7 +6943,7 @@
         </p:nvSpPr>
         <p:spPr>
           <a:xfrm>
-            <a:off x="3685818" y="118706"/>
+            <a:off x="3665364" y="131055"/>
             <a:ext cx="1139868" cy="388307"/>
           </a:xfrm>
           <a:prstGeom prst="ellipse">
@@ -7173,9 +7173,9 @@
           <p:nvPr/>
         </p:nvCxnSpPr>
         <p:spPr>
-          <a:xfrm flipH="1">
-            <a:off x="4235300" y="507013"/>
-            <a:ext cx="20452" cy="158290"/>
+          <a:xfrm>
+            <a:off x="4235298" y="519362"/>
+            <a:ext cx="2" cy="145941"/>
           </a:xfrm>
           <a:prstGeom prst="straightConnector1">
             <a:avLst/>
@@ -8050,8 +8050,8 @@
         </p:nvCxnSpPr>
         <p:spPr>
           <a:xfrm flipH="1">
-            <a:off x="2827153" y="1483759"/>
-            <a:ext cx="553243" cy="181771"/>
+            <a:off x="2956966" y="1483759"/>
+            <a:ext cx="423430" cy="18286"/>
           </a:xfrm>
           <a:prstGeom prst="straightConnector1">
             <a:avLst/>
@@ -8248,7 +8248,7 @@
         </p:nvSpPr>
         <p:spPr>
           <a:xfrm>
-            <a:off x="980502" y="1491242"/>
+            <a:off x="1110315" y="1327757"/>
             <a:ext cx="2051834" cy="348575"/>
           </a:xfrm>
           <a:prstGeom prst="flowChartInputOutput">
